--- a/bishops/cs321/resources/CS321_Lecture_17B.pptx
+++ b/bishops/cs321/resources/CS321_Lecture_17B.pptx
@@ -5,7 +5,7 @@
     <p:sldMasterId id="2147483648" r:id="rId1"/>
   </p:sldMasterIdLst>
   <p:notesMasterIdLst>
-    <p:notesMasterId r:id="rId7"/>
+    <p:notesMasterId r:id="rId9"/>
   </p:notesMasterIdLst>
   <p:sldIdLst>
     <p:sldId id="256" r:id="rId2"/>
@@ -13,6 +13,8 @@
     <p:sldId id="388" r:id="rId4"/>
     <p:sldId id="299" r:id="rId5"/>
     <p:sldId id="360" r:id="rId6"/>
+    <p:sldId id="391" r:id="rId7"/>
+    <p:sldId id="390" r:id="rId8"/>
   </p:sldIdLst>
   <p:sldSz cx="12192000" cy="6858000"/>
   <p:notesSz cx="6858000" cy="9144000"/>
@@ -113,7 +115,7 @@
   </p:defaultTextStyle>
   <p:extLst>
     <p:ext uri="{EFAFB233-063F-42B5-8137-9DF3F51BA10A}">
-      <p15:sldGuideLst xmlns:p15="http://schemas.microsoft.com/office/powerpoint/2012/main"/>
+      <p15:sldGuideLst xmlns:p15="http://schemas.microsoft.com/office/powerpoint/2012/main" xmlns=""/>
     </p:ext>
   </p:extLst>
 </p:presentation>
@@ -124,7 +126,7 @@
   <p:cmAuthor id="1" name="Gregory" initials="G" lastIdx="1" clrIdx="0">
     <p:extLst>
       <p:ext uri="{19B8F6BF-5375-455C-9EA6-DF929625EA0E}">
-        <p15:presenceInfo xmlns:p15="http://schemas.microsoft.com/office/powerpoint/2012/main" userId="Gregory" providerId="None"/>
+        <p15:presenceInfo xmlns:p15="http://schemas.microsoft.com/office/powerpoint/2012/main" xmlns="" userId="Gregory" providerId="None"/>
       </p:ext>
     </p:extLst>
   </p:cmAuthor>
@@ -213,7 +215,8 @@
           <a:p>
             <a:fld id="{A6583E9D-07AB-4C6D-BFD0-47E805C6B3D4}" type="datetimeFigureOut">
               <a:rPr lang="en-CA" smtClean="0"/>
-              <a:t>2022-03-24</a:t>
+              <a:pPr/>
+              <a:t>2024-03-08</a:t>
             </a:fld>
             <a:endParaRPr lang="en-CA"/>
           </a:p>
@@ -372,6 +375,7 @@
           <a:p>
             <a:fld id="{8F20841C-25C9-4C0C-A7FA-C4A363D14F5A}" type="slidenum">
               <a:rPr lang="en-CA" smtClean="0"/>
+              <a:pPr/>
               <a:t>‹#›</a:t>
             </a:fld>
             <a:endParaRPr lang="en-CA"/>
@@ -381,7 +385,7 @@
     </p:spTree>
     <p:extLst>
       <p:ext uri="{BB962C8B-B14F-4D97-AF65-F5344CB8AC3E}">
-        <p14:creationId xmlns:p14="http://schemas.microsoft.com/office/powerpoint/2010/main" val="4237529172"/>
+        <p14:creationId xmlns:p14="http://schemas.microsoft.com/office/powerpoint/2010/main" xmlns="" val="4237529172"/>
       </p:ext>
     </p:extLst>
   </p:cSld>
@@ -525,14 +529,6 @@
           <a:bodyPr/>
           <a:lstStyle/>
           <a:p>
-            <a:r>
-              <a:rPr lang="en-CA" dirty="0"/>
-              <a:t>Multi-instrument</a:t>
-            </a:r>
-            <a:r>
-              <a:rPr lang="en-CA" baseline="0" dirty="0"/>
-              <a:t> / Multi-instrument Inter-process (minus the)-with Eye Trackers-</a:t>
-            </a:r>
             <a:endParaRPr lang="en-CA" dirty="0"/>
           </a:p>
         </p:txBody>
@@ -554,6 +550,7 @@
           <a:p>
             <a:fld id="{8F20841C-25C9-4C0C-A7FA-C4A363D14F5A}" type="slidenum">
               <a:rPr lang="en-CA" smtClean="0"/>
+              <a:pPr/>
               <a:t>1</a:t>
             </a:fld>
             <a:endParaRPr lang="en-CA"/>
@@ -563,7 +560,7 @@
     </p:spTree>
     <p:extLst>
       <p:ext uri="{BB962C8B-B14F-4D97-AF65-F5344CB8AC3E}">
-        <p14:creationId xmlns:p14="http://schemas.microsoft.com/office/powerpoint/2010/main" val="2340334442"/>
+        <p14:creationId xmlns:p14="http://schemas.microsoft.com/office/powerpoint/2010/main" xmlns="" val="2340334442"/>
       </p:ext>
     </p:extLst>
   </p:cSld>
@@ -757,6 +754,7 @@
           <a:p>
             <a:fld id="{5174927E-2439-42C0-9720-7BBCA09BF46F}" type="slidenum">
               <a:rPr lang="en-CA" smtClean="0"/>
+              <a:pPr/>
               <a:t>‹#›</a:t>
             </a:fld>
             <a:endParaRPr lang="en-CA"/>
@@ -766,7 +764,7 @@
     </p:spTree>
     <p:extLst>
       <p:ext uri="{BB962C8B-B14F-4D97-AF65-F5344CB8AC3E}">
-        <p14:creationId xmlns:p14="http://schemas.microsoft.com/office/powerpoint/2010/main" val="1900560834"/>
+        <p14:creationId xmlns:p14="http://schemas.microsoft.com/office/powerpoint/2010/main" xmlns="" val="1900560834"/>
       </p:ext>
     </p:extLst>
   </p:cSld>
@@ -930,6 +928,7 @@
           <a:p>
             <a:fld id="{5174927E-2439-42C0-9720-7BBCA09BF46F}" type="slidenum">
               <a:rPr lang="en-CA" smtClean="0"/>
+              <a:pPr/>
               <a:t>‹#›</a:t>
             </a:fld>
             <a:endParaRPr lang="en-CA"/>
@@ -939,7 +938,7 @@
     </p:spTree>
     <p:extLst>
       <p:ext uri="{BB962C8B-B14F-4D97-AF65-F5344CB8AC3E}">
-        <p14:creationId xmlns:p14="http://schemas.microsoft.com/office/powerpoint/2010/main" val="3722958745"/>
+        <p14:creationId xmlns:p14="http://schemas.microsoft.com/office/powerpoint/2010/main" xmlns="" val="3722958745"/>
       </p:ext>
     </p:extLst>
   </p:cSld>
@@ -1175,7 +1174,7 @@
     </p:spTree>
     <p:extLst>
       <p:ext uri="{BB962C8B-B14F-4D97-AF65-F5344CB8AC3E}">
-        <p14:creationId xmlns:p14="http://schemas.microsoft.com/office/powerpoint/2010/main" val="1822376042"/>
+        <p14:creationId xmlns:p14="http://schemas.microsoft.com/office/powerpoint/2010/main" xmlns="" val="1822376042"/>
       </p:ext>
     </p:extLst>
   </p:cSld>
@@ -1415,6 +1414,7 @@
           <a:p>
             <a:fld id="{5174927E-2439-42C0-9720-7BBCA09BF46F}" type="slidenum">
               <a:rPr lang="en-CA" smtClean="0"/>
+              <a:pPr/>
               <a:t>‹#›</a:t>
             </a:fld>
             <a:endParaRPr lang="en-CA"/>
@@ -1424,7 +1424,7 @@
     </p:spTree>
     <p:extLst>
       <p:ext uri="{BB962C8B-B14F-4D97-AF65-F5344CB8AC3E}">
-        <p14:creationId xmlns:p14="http://schemas.microsoft.com/office/powerpoint/2010/main" val="3411672561"/>
+        <p14:creationId xmlns:p14="http://schemas.microsoft.com/office/powerpoint/2010/main" xmlns="" val="3411672561"/>
       </p:ext>
     </p:extLst>
   </p:cSld>
@@ -1650,6 +1650,7 @@
           <a:p>
             <a:fld id="{5174927E-2439-42C0-9720-7BBCA09BF46F}" type="slidenum">
               <a:rPr lang="en-CA" smtClean="0"/>
+              <a:pPr/>
               <a:t>‹#›</a:t>
             </a:fld>
             <a:endParaRPr lang="en-CA"/>
@@ -1659,7 +1660,7 @@
     </p:spTree>
     <p:extLst>
       <p:ext uri="{BB962C8B-B14F-4D97-AF65-F5344CB8AC3E}">
-        <p14:creationId xmlns:p14="http://schemas.microsoft.com/office/powerpoint/2010/main" val="1093008526"/>
+        <p14:creationId xmlns:p14="http://schemas.microsoft.com/office/powerpoint/2010/main" xmlns="" val="1093008526"/>
       </p:ext>
     </p:extLst>
   </p:cSld>
@@ -2020,6 +2021,7 @@
           <a:p>
             <a:fld id="{5174927E-2439-42C0-9720-7BBCA09BF46F}" type="slidenum">
               <a:rPr lang="en-CA" smtClean="0"/>
+              <a:pPr/>
               <a:t>‹#›</a:t>
             </a:fld>
             <a:endParaRPr lang="en-CA"/>
@@ -2029,7 +2031,7 @@
     </p:spTree>
     <p:extLst>
       <p:ext uri="{BB962C8B-B14F-4D97-AF65-F5344CB8AC3E}">
-        <p14:creationId xmlns:p14="http://schemas.microsoft.com/office/powerpoint/2010/main" val="1087924878"/>
+        <p14:creationId xmlns:p14="http://schemas.microsoft.com/office/powerpoint/2010/main" xmlns="" val="1087924878"/>
       </p:ext>
     </p:extLst>
   </p:cSld>
@@ -2141,6 +2143,7 @@
           <a:p>
             <a:fld id="{5174927E-2439-42C0-9720-7BBCA09BF46F}" type="slidenum">
               <a:rPr lang="en-CA" smtClean="0"/>
+              <a:pPr/>
               <a:t>‹#›</a:t>
             </a:fld>
             <a:endParaRPr lang="en-CA"/>
@@ -2150,7 +2153,7 @@
     </p:spTree>
     <p:extLst>
       <p:ext uri="{BB962C8B-B14F-4D97-AF65-F5344CB8AC3E}">
-        <p14:creationId xmlns:p14="http://schemas.microsoft.com/office/powerpoint/2010/main" val="3802387408"/>
+        <p14:creationId xmlns:p14="http://schemas.microsoft.com/office/powerpoint/2010/main" xmlns="" val="3802387408"/>
       </p:ext>
     </p:extLst>
   </p:cSld>
@@ -2239,6 +2242,7 @@
           <a:p>
             <a:fld id="{5174927E-2439-42C0-9720-7BBCA09BF46F}" type="slidenum">
               <a:rPr lang="en-CA" smtClean="0"/>
+              <a:pPr/>
               <a:t>‹#›</a:t>
             </a:fld>
             <a:endParaRPr lang="en-CA"/>
@@ -2248,7 +2252,7 @@
     </p:spTree>
     <p:extLst>
       <p:ext uri="{BB962C8B-B14F-4D97-AF65-F5344CB8AC3E}">
-        <p14:creationId xmlns:p14="http://schemas.microsoft.com/office/powerpoint/2010/main" val="4234091411"/>
+        <p14:creationId xmlns:p14="http://schemas.microsoft.com/office/powerpoint/2010/main" xmlns="" val="4234091411"/>
       </p:ext>
     </p:extLst>
   </p:cSld>
@@ -2519,6 +2523,7 @@
           <a:p>
             <a:fld id="{5174927E-2439-42C0-9720-7BBCA09BF46F}" type="slidenum">
               <a:rPr lang="en-CA" smtClean="0"/>
+              <a:pPr/>
               <a:t>‹#›</a:t>
             </a:fld>
             <a:endParaRPr lang="en-CA"/>
@@ -2528,7 +2533,7 @@
     </p:spTree>
     <p:extLst>
       <p:ext uri="{BB962C8B-B14F-4D97-AF65-F5344CB8AC3E}">
-        <p14:creationId xmlns:p14="http://schemas.microsoft.com/office/powerpoint/2010/main" val="4189422420"/>
+        <p14:creationId xmlns:p14="http://schemas.microsoft.com/office/powerpoint/2010/main" xmlns="" val="4189422420"/>
       </p:ext>
     </p:extLst>
   </p:cSld>
@@ -2775,6 +2780,7 @@
           <a:p>
             <a:fld id="{5174927E-2439-42C0-9720-7BBCA09BF46F}" type="slidenum">
               <a:rPr lang="en-CA" smtClean="0"/>
+              <a:pPr/>
               <a:t>‹#›</a:t>
             </a:fld>
             <a:endParaRPr lang="en-CA"/>
@@ -2784,7 +2790,7 @@
     </p:spTree>
     <p:extLst>
       <p:ext uri="{BB962C8B-B14F-4D97-AF65-F5344CB8AC3E}">
-        <p14:creationId xmlns:p14="http://schemas.microsoft.com/office/powerpoint/2010/main" val="3252977898"/>
+        <p14:creationId xmlns:p14="http://schemas.microsoft.com/office/powerpoint/2010/main" xmlns="" val="3252977898"/>
       </p:ext>
     </p:extLst>
   </p:cSld>
@@ -3050,10 +3056,10 @@
           <p:nvPr userDrawn="1"/>
         </p:nvPicPr>
         <p:blipFill>
-          <a:blip r:embed="rId13">
+          <a:blip r:embed="rId13" cstate="print">
             <a:extLst>
               <a:ext uri="{28A0092B-C50C-407E-A947-70E740481C1C}">
-                <a14:useLocalDpi xmlns:a14="http://schemas.microsoft.com/office/drawing/2010/main" val="0"/>
+                <a14:useLocalDpi xmlns:a14="http://schemas.microsoft.com/office/drawing/2010/main" xmlns="" val="0"/>
               </a:ext>
             </a:extLst>
           </a:blip>
@@ -3074,7 +3080,7 @@
     </p:spTree>
     <p:extLst>
       <p:ext uri="{BB962C8B-B14F-4D97-AF65-F5344CB8AC3E}">
-        <p14:creationId xmlns:p14="http://schemas.microsoft.com/office/powerpoint/2010/main" val="4230061028"/>
+        <p14:creationId xmlns:p14="http://schemas.microsoft.com/office/powerpoint/2010/main" xmlns="" val="4230061028"/>
       </p:ext>
     </p:extLst>
   </p:cSld>
@@ -3508,12 +3514,6 @@
             <a:endParaRPr lang="en-CA" baseline="30000" dirty="0"/>
           </a:p>
           <a:p>
-            <a:r>
-              <a:rPr lang="en-CA" dirty="0"/>
-              <a:t>Date: January 31, 2022</a:t>
-            </a:r>
-          </a:p>
-          <a:p>
             <a:endParaRPr lang="en-CA" dirty="0"/>
           </a:p>
         </p:txBody>
@@ -3523,7 +3523,7 @@
           <p:cNvPr id="13" name="Picture 8" descr="http://osiris.ubishops.ca/~alussier/images/transparentlogo_bu.png">
             <a:extLst>
               <a:ext uri="{FF2B5EF4-FFF2-40B4-BE49-F238E27FC236}">
-                <a16:creationId xmlns:a16="http://schemas.microsoft.com/office/drawing/2014/main" id="{CCB9A035-2F1C-4B96-A5DB-70B72D6E4AD8}"/>
+                <a16:creationId xmlns:a16="http://schemas.microsoft.com/office/drawing/2014/main" xmlns="" id="{CCB9A035-2F1C-4B96-A5DB-70B72D6E4AD8}"/>
               </a:ext>
             </a:extLst>
           </p:cNvPr>
@@ -3533,10 +3533,10 @@
           <p:nvPr/>
         </p:nvPicPr>
         <p:blipFill>
-          <a:blip r:embed="rId3">
+          <a:blip r:embed="rId3" cstate="print">
             <a:extLst>
               <a:ext uri="{28A0092B-C50C-407E-A947-70E740481C1C}">
-                <a14:useLocalDpi xmlns:a14="http://schemas.microsoft.com/office/drawing/2010/main" val="0"/>
+                <a14:useLocalDpi xmlns:a14="http://schemas.microsoft.com/office/drawing/2010/main" xmlns="" val="0"/>
               </a:ext>
             </a:extLst>
           </a:blip>
@@ -3556,7 +3556,7 @@
           <a:noFill/>
           <a:extLst>
             <a:ext uri="{909E8E84-426E-40DD-AFC4-6F175D3DCCD1}">
-              <a14:hiddenFill xmlns:a14="http://schemas.microsoft.com/office/drawing/2010/main">
+              <a14:hiddenFill xmlns:a14="http://schemas.microsoft.com/office/drawing/2010/main" xmlns="">
                 <a:solidFill>
                   <a:srgbClr val="FFFFFF"/>
                 </a:solidFill>
@@ -3568,7 +3568,7 @@
     </p:spTree>
     <p:extLst>
       <p:ext uri="{BB962C8B-B14F-4D97-AF65-F5344CB8AC3E}">
-        <p14:creationId xmlns:p14="http://schemas.microsoft.com/office/powerpoint/2010/main" val="4177077622"/>
+        <p14:creationId xmlns:p14="http://schemas.microsoft.com/office/powerpoint/2010/main" xmlns="" val="4177077622"/>
       </p:ext>
     </p:extLst>
   </p:cSld>
@@ -3620,28 +3620,6 @@
       </p:sp>
       <p:sp>
         <p:nvSpPr>
-          <p:cNvPr id="6" name="Date Placeholder 5"/>
-          <p:cNvSpPr>
-            <a:spLocks noGrp="1"/>
-          </p:cNvSpPr>
-          <p:nvPr>
-            <p:ph type="dt" sz="half" idx="2"/>
-          </p:nvPr>
-        </p:nvSpPr>
-        <p:spPr/>
-        <p:txBody>
-          <a:bodyPr/>
-          <a:lstStyle/>
-          <a:p>
-            <a:r>
-              <a:rPr lang="en-CA" dirty="0"/>
-              <a:t>Winter 2022</a:t>
-            </a:r>
-          </a:p>
-        </p:txBody>
-      </p:sp>
-      <p:sp>
-        <p:nvSpPr>
           <p:cNvPr id="10" name="Footer Placeholder 9"/>
           <p:cNvSpPr>
             <a:spLocks noGrp="1"/>
@@ -3694,7 +3672,7 @@
           <p:cNvPr id="4" name="Content Placeholder 3">
             <a:extLst>
               <a:ext uri="{FF2B5EF4-FFF2-40B4-BE49-F238E27FC236}">
-                <a16:creationId xmlns:a16="http://schemas.microsoft.com/office/drawing/2014/main" id="{6D58AF24-6D41-4D72-AA4C-29F6B807A3E2}"/>
+                <a16:creationId xmlns:a16="http://schemas.microsoft.com/office/drawing/2014/main" xmlns="" id="{6D58AF24-6D41-4D72-AA4C-29F6B807A3E2}"/>
               </a:ext>
             </a:extLst>
           </p:cNvPr>
@@ -3730,7 +3708,7 @@
           <p:cNvPr id="7" name="Picture 4" descr="Semaphtype.gif">
             <a:extLst>
               <a:ext uri="{FF2B5EF4-FFF2-40B4-BE49-F238E27FC236}">
-                <a16:creationId xmlns:a16="http://schemas.microsoft.com/office/drawing/2014/main" id="{807365D7-3A6C-4F12-BDA2-3D798F29D718}"/>
+                <a16:creationId xmlns:a16="http://schemas.microsoft.com/office/drawing/2014/main" xmlns="" id="{807365D7-3A6C-4F12-BDA2-3D798F29D718}"/>
               </a:ext>
             </a:extLst>
           </p:cNvPr>
@@ -3743,7 +3721,7 @@
           <a:blip r:embed="rId2">
             <a:extLst>
               <a:ext uri="{28A0092B-C50C-407E-A947-70E740481C1C}">
-                <a14:useLocalDpi xmlns:a14="http://schemas.microsoft.com/office/drawing/2010/main" val="0"/>
+                <a14:useLocalDpi xmlns:a14="http://schemas.microsoft.com/office/drawing/2010/main" xmlns="" val="0"/>
               </a:ext>
             </a:extLst>
           </a:blip>
@@ -3766,14 +3744,14 @@
           </a:ln>
           <a:extLst>
             <a:ext uri="{909E8E84-426E-40DD-AFC4-6F175D3DCCD1}">
-              <a14:hiddenFill xmlns:a14="http://schemas.microsoft.com/office/drawing/2010/main">
+              <a14:hiddenFill xmlns:a14="http://schemas.microsoft.com/office/drawing/2010/main" xmlns="">
                 <a:solidFill>
                   <a:srgbClr val="FFFFFF"/>
                 </a:solidFill>
               </a14:hiddenFill>
             </a:ext>
             <a:ext uri="{91240B29-F687-4F45-9708-019B960494DF}">
-              <a14:hiddenLine xmlns:a14="http://schemas.microsoft.com/office/drawing/2010/main" w="9525">
+              <a14:hiddenLine xmlns:a14="http://schemas.microsoft.com/office/drawing/2010/main" xmlns="" w="9525">
                 <a:solidFill>
                   <a:srgbClr val="000000"/>
                 </a:solidFill>
@@ -3790,7 +3768,7 @@
           <p:cNvPr id="9" name="TextBox 8">
             <a:extLst>
               <a:ext uri="{FF2B5EF4-FFF2-40B4-BE49-F238E27FC236}">
-                <a16:creationId xmlns:a16="http://schemas.microsoft.com/office/drawing/2014/main" id="{ACA50819-1CF8-49DF-9907-141818CA9FD7}"/>
+                <a16:creationId xmlns:a16="http://schemas.microsoft.com/office/drawing/2014/main" xmlns="" id="{ACA50819-1CF8-49DF-9907-141818CA9FD7}"/>
               </a:ext>
             </a:extLst>
           </p:cNvPr>
@@ -3815,7 +3793,7 @@
           <a:p>
             <a:r>
               <a:rPr lang="en-US" b="1" dirty="0"/>
-              <a:t>Method of visual signaling, usually by means of flags or lights</a:t>
+              <a:t>Historically a method for signaling by means of flags or lights</a:t>
             </a:r>
             <a:endParaRPr lang="en-CA" dirty="0"/>
           </a:p>
@@ -3824,7 +3802,7 @@
     </p:spTree>
     <p:extLst>
       <p:ext uri="{BB962C8B-B14F-4D97-AF65-F5344CB8AC3E}">
-        <p14:creationId xmlns:p14="http://schemas.microsoft.com/office/powerpoint/2010/main" val="1563300936"/>
+        <p14:creationId xmlns:p14="http://schemas.microsoft.com/office/powerpoint/2010/main" xmlns="" val="1563300936"/>
       </p:ext>
     </p:extLst>
   </p:cSld>
@@ -3876,28 +3854,6 @@
       </p:sp>
       <p:sp>
         <p:nvSpPr>
-          <p:cNvPr id="6" name="Date Placeholder 5"/>
-          <p:cNvSpPr>
-            <a:spLocks noGrp="1"/>
-          </p:cNvSpPr>
-          <p:nvPr>
-            <p:ph type="dt" sz="half" idx="2"/>
-          </p:nvPr>
-        </p:nvSpPr>
-        <p:spPr/>
-        <p:txBody>
-          <a:bodyPr/>
-          <a:lstStyle/>
-          <a:p>
-            <a:r>
-              <a:rPr lang="en-CA" dirty="0"/>
-              <a:t>Winter 2022</a:t>
-            </a:r>
-          </a:p>
-        </p:txBody>
-      </p:sp>
-      <p:sp>
-        <p:nvSpPr>
           <p:cNvPr id="10" name="Footer Placeholder 9"/>
           <p:cNvSpPr>
             <a:spLocks noGrp="1"/>
@@ -3950,7 +3906,7 @@
           <p:cNvPr id="4" name="Content Placeholder 3">
             <a:extLst>
               <a:ext uri="{FF2B5EF4-FFF2-40B4-BE49-F238E27FC236}">
-                <a16:creationId xmlns:a16="http://schemas.microsoft.com/office/drawing/2014/main" id="{6D58AF24-6D41-4D72-AA4C-29F6B807A3E2}"/>
+                <a16:creationId xmlns:a16="http://schemas.microsoft.com/office/drawing/2014/main" xmlns="" id="{6D58AF24-6D41-4D72-AA4C-29F6B807A3E2}"/>
               </a:ext>
             </a:extLst>
           </p:cNvPr>
@@ -4127,7 +4083,7 @@
     </p:spTree>
     <p:extLst>
       <p:ext uri="{BB962C8B-B14F-4D97-AF65-F5344CB8AC3E}">
-        <p14:creationId xmlns:p14="http://schemas.microsoft.com/office/powerpoint/2010/main" val="2097782105"/>
+        <p14:creationId xmlns:p14="http://schemas.microsoft.com/office/powerpoint/2010/main" xmlns="" val="2097782105"/>
       </p:ext>
     </p:extLst>
   </p:cSld>
@@ -4179,28 +4135,6 @@
       </p:sp>
       <p:sp>
         <p:nvSpPr>
-          <p:cNvPr id="6" name="Date Placeholder 5"/>
-          <p:cNvSpPr>
-            <a:spLocks noGrp="1"/>
-          </p:cNvSpPr>
-          <p:nvPr>
-            <p:ph type="dt" sz="half" idx="2"/>
-          </p:nvPr>
-        </p:nvSpPr>
-        <p:spPr/>
-        <p:txBody>
-          <a:bodyPr/>
-          <a:lstStyle/>
-          <a:p>
-            <a:r>
-              <a:rPr lang="en-CA" dirty="0"/>
-              <a:t>Winter 2022</a:t>
-            </a:r>
-          </a:p>
-        </p:txBody>
-      </p:sp>
-      <p:sp>
-        <p:nvSpPr>
           <p:cNvPr id="10" name="Footer Placeholder 9"/>
           <p:cNvSpPr>
             <a:spLocks noGrp="1"/>
@@ -4253,7 +4187,7 @@
           <p:cNvPr id="4" name="Content Placeholder 3">
             <a:extLst>
               <a:ext uri="{FF2B5EF4-FFF2-40B4-BE49-F238E27FC236}">
-                <a16:creationId xmlns:a16="http://schemas.microsoft.com/office/drawing/2014/main" id="{6D58AF24-6D41-4D72-AA4C-29F6B807A3E2}"/>
+                <a16:creationId xmlns:a16="http://schemas.microsoft.com/office/drawing/2014/main" xmlns="" id="{6D58AF24-6D41-4D72-AA4C-29F6B807A3E2}"/>
               </a:ext>
             </a:extLst>
           </p:cNvPr>
@@ -4284,7 +4218,7 @@
           <p:cNvPr id="7" name="Text Box 2">
             <a:extLst>
               <a:ext uri="{FF2B5EF4-FFF2-40B4-BE49-F238E27FC236}">
-                <a16:creationId xmlns:a16="http://schemas.microsoft.com/office/drawing/2014/main" id="{C65D52AC-509E-4E19-BBE3-215D68A33884}"/>
+                <a16:creationId xmlns:a16="http://schemas.microsoft.com/office/drawing/2014/main" xmlns="" id="{C65D52AC-509E-4E19-BBE3-215D68A33884}"/>
               </a:ext>
             </a:extLst>
           </p:cNvPr>
@@ -4307,14 +4241,14 @@
           </a:ln>
           <a:extLst>
             <a:ext uri="{909E8E84-426E-40DD-AFC4-6F175D3DCCD1}">
-              <a14:hiddenFill xmlns:a14="http://schemas.microsoft.com/office/drawing/2010/main">
+              <a14:hiddenFill xmlns:a14="http://schemas.microsoft.com/office/drawing/2010/main" xmlns="">
                 <a:solidFill>
                   <a:srgbClr val="FFFFFF"/>
                 </a:solidFill>
               </a14:hiddenFill>
             </a:ext>
             <a:ext uri="{91240B29-F687-4F45-9708-019B960494DF}">
-              <a14:hiddenLine xmlns:a14="http://schemas.microsoft.com/office/drawing/2010/main" w="19050">
+              <a14:hiddenLine xmlns:a14="http://schemas.microsoft.com/office/drawing/2010/main" xmlns="" w="19050">
                 <a:solidFill>
                   <a:srgbClr val="000000"/>
                 </a:solidFill>
@@ -4629,7 +4563,7 @@
           <p:cNvPr id="8" name="Rectangle 4">
             <a:extLst>
               <a:ext uri="{FF2B5EF4-FFF2-40B4-BE49-F238E27FC236}">
-                <a16:creationId xmlns:a16="http://schemas.microsoft.com/office/drawing/2014/main" id="{6CDEF08D-0686-49F8-BAAA-C87848D6F272}"/>
+                <a16:creationId xmlns:a16="http://schemas.microsoft.com/office/drawing/2014/main" xmlns="" id="{6CDEF08D-0686-49F8-BAAA-C87848D6F272}"/>
               </a:ext>
             </a:extLst>
           </p:cNvPr>
@@ -4656,7 +4590,7 @@
           </a:ln>
           <a:extLst>
             <a:ext uri="{91240B29-F687-4F45-9708-019B960494DF}">
-              <a14:hiddenLine xmlns:a14="http://schemas.microsoft.com/office/drawing/2010/main" w="19050">
+              <a14:hiddenLine xmlns:a14="http://schemas.microsoft.com/office/drawing/2010/main" xmlns="" w="19050">
                 <a:solidFill>
                   <a:srgbClr val="000000"/>
                 </a:solidFill>
@@ -4813,7 +4747,7 @@
     </p:spTree>
     <p:extLst>
       <p:ext uri="{BB962C8B-B14F-4D97-AF65-F5344CB8AC3E}">
-        <p14:creationId xmlns:p14="http://schemas.microsoft.com/office/powerpoint/2010/main" val="2222666788"/>
+        <p14:creationId xmlns:p14="http://schemas.microsoft.com/office/powerpoint/2010/main" xmlns="" val="2222666788"/>
       </p:ext>
     </p:extLst>
   </p:cSld>
@@ -4864,28 +4798,6 @@
       </p:sp>
       <p:sp>
         <p:nvSpPr>
-          <p:cNvPr id="6" name="Date Placeholder 5"/>
-          <p:cNvSpPr>
-            <a:spLocks noGrp="1"/>
-          </p:cNvSpPr>
-          <p:nvPr>
-            <p:ph type="dt" sz="half" idx="2"/>
-          </p:nvPr>
-        </p:nvSpPr>
-        <p:spPr/>
-        <p:txBody>
-          <a:bodyPr/>
-          <a:lstStyle/>
-          <a:p>
-            <a:r>
-              <a:rPr lang="en-CA" dirty="0"/>
-              <a:t>Winter 2022</a:t>
-            </a:r>
-          </a:p>
-        </p:txBody>
-      </p:sp>
-      <p:sp>
-        <p:nvSpPr>
           <p:cNvPr id="10" name="Footer Placeholder 9"/>
           <p:cNvSpPr>
             <a:spLocks noGrp="1"/>
@@ -4938,7 +4850,7 @@
           <p:cNvPr id="4" name="Content Placeholder 3">
             <a:extLst>
               <a:ext uri="{FF2B5EF4-FFF2-40B4-BE49-F238E27FC236}">
-                <a16:creationId xmlns:a16="http://schemas.microsoft.com/office/drawing/2014/main" id="{6D58AF24-6D41-4D72-AA4C-29F6B807A3E2}"/>
+                <a16:creationId xmlns:a16="http://schemas.microsoft.com/office/drawing/2014/main" xmlns="" id="{6D58AF24-6D41-4D72-AA4C-29F6B807A3E2}"/>
               </a:ext>
             </a:extLst>
           </p:cNvPr>
@@ -6453,7 +6365,1810 @@
     </p:spTree>
     <p:extLst>
       <p:ext uri="{BB962C8B-B14F-4D97-AF65-F5344CB8AC3E}">
-        <p14:creationId xmlns:p14="http://schemas.microsoft.com/office/powerpoint/2010/main" val="703454163"/>
+        <p14:creationId xmlns:p14="http://schemas.microsoft.com/office/powerpoint/2010/main" xmlns="" val="703454163"/>
+      </p:ext>
+    </p:extLst>
+  </p:cSld>
+  <p:clrMapOvr>
+    <a:masterClrMapping/>
+  </p:clrMapOvr>
+</p:sld>
+</file>
+
+<file path=ppt/slides/slide6.xml><?xml version="1.0" encoding="utf-8"?>
+<p:sld xmlns:a="http://schemas.openxmlformats.org/drawingml/2006/main" xmlns:r="http://schemas.openxmlformats.org/officeDocument/2006/relationships" xmlns:p="http://schemas.openxmlformats.org/presentationml/2006/main">
+  <p:cSld>
+    <p:spTree>
+      <p:nvGrpSpPr>
+        <p:cNvPr id="1" name=""/>
+        <p:cNvGrpSpPr/>
+        <p:nvPr/>
+      </p:nvGrpSpPr>
+      <p:grpSpPr>
+        <a:xfrm>
+          <a:off x="0" y="0"/>
+          <a:ext cx="0" cy="0"/>
+          <a:chOff x="0" y="0"/>
+          <a:chExt cx="0" cy="0"/>
+        </a:xfrm>
+      </p:grpSpPr>
+      <p:sp>
+        <p:nvSpPr>
+          <p:cNvPr id="2" name="Title 1"/>
+          <p:cNvSpPr>
+            <a:spLocks noGrp="1"/>
+          </p:cNvSpPr>
+          <p:nvPr>
+            <p:ph type="title"/>
+          </p:nvPr>
+        </p:nvSpPr>
+        <p:spPr/>
+        <p:txBody>
+          <a:bodyPr/>
+          <a:lstStyle/>
+          <a:p>
+            <a:r>
+              <a:rPr lang="en-US" altLang="en-US" dirty="0"/>
+              <a:t>Example: Semaphores in Java</a:t>
+            </a:r>
+          </a:p>
+        </p:txBody>
+      </p:sp>
+      <p:sp>
+        <p:nvSpPr>
+          <p:cNvPr id="10" name="Footer Placeholder 9"/>
+          <p:cNvSpPr>
+            <a:spLocks noGrp="1"/>
+          </p:cNvSpPr>
+          <p:nvPr>
+            <p:ph type="ftr" sz="quarter" idx="3"/>
+          </p:nvPr>
+        </p:nvSpPr>
+        <p:spPr/>
+        <p:txBody>
+          <a:bodyPr/>
+          <a:lstStyle/>
+          <a:p>
+            <a:r>
+              <a:rPr lang="en-CA" dirty="0"/>
+              <a:t>CS321: Advanced Programming Techniques</a:t>
+            </a:r>
+          </a:p>
+        </p:txBody>
+      </p:sp>
+      <p:sp>
+        <p:nvSpPr>
+          <p:cNvPr id="12" name="Slide Number Placeholder 11"/>
+          <p:cNvSpPr>
+            <a:spLocks noGrp="1"/>
+          </p:cNvSpPr>
+          <p:nvPr>
+            <p:ph type="sldNum" sz="quarter" idx="4"/>
+          </p:nvPr>
+        </p:nvSpPr>
+        <p:spPr/>
+        <p:txBody>
+          <a:bodyPr/>
+          <a:lstStyle/>
+          <a:p>
+            <a:fld id="{5174927E-2439-42C0-9720-7BBCA09BF46F}" type="slidenum">
+              <a:rPr lang="en-CA" smtClean="0"/>
+              <a:pPr/>
+              <a:t>6</a:t>
+            </a:fld>
+            <a:r>
+              <a:rPr lang="en-CA" dirty="0"/>
+              <a:t> </a:t>
+            </a:r>
+          </a:p>
+        </p:txBody>
+      </p:sp>
+      <p:sp>
+        <p:nvSpPr>
+          <p:cNvPr id="4" name="Content Placeholder 3">
+            <a:extLst>
+              <a:ext uri="{FF2B5EF4-FFF2-40B4-BE49-F238E27FC236}">
+                <a16:creationId xmlns:a16="http://schemas.microsoft.com/office/drawing/2014/main" xmlns="" id="{6D58AF24-6D41-4D72-AA4C-29F6B807A3E2}"/>
+              </a:ext>
+            </a:extLst>
+          </p:cNvPr>
+          <p:cNvSpPr>
+            <a:spLocks noGrp="1"/>
+          </p:cNvSpPr>
+          <p:nvPr>
+            <p:ph idx="1"/>
+          </p:nvPr>
+        </p:nvSpPr>
+        <p:spPr>
+          <a:xfrm>
+            <a:off x="640874" y="1168400"/>
+            <a:ext cx="10515600" cy="5405435"/>
+          </a:xfrm>
+        </p:spPr>
+        <p:txBody>
+          <a:bodyPr>
+            <a:normAutofit/>
+          </a:bodyPr>
+          <a:lstStyle/>
+          <a:p>
+            <a:pPr marL="0" marR="0" lvl="0" indent="0" algn="l" defTabSz="914400" rtl="0" eaLnBrk="1" fontAlgn="base" latinLnBrk="0" hangingPunct="1">
+              <a:lnSpc>
+                <a:spcPct val="100000"/>
+              </a:lnSpc>
+              <a:spcBef>
+                <a:spcPct val="0"/>
+              </a:spcBef>
+              <a:spcAft>
+                <a:spcPct val="0"/>
+              </a:spcAft>
+              <a:buClrTx/>
+              <a:buSzTx/>
+              <a:buFontTx/>
+              <a:buNone/>
+              <a:tabLst/>
+              <a:defRPr/>
+            </a:pPr>
+            <a:r>
+              <a:rPr kumimoji="0" lang="en-US" altLang="en-US" sz="1400" b="1" i="0" u="none" strike="noStrike" kern="1200" cap="none" spc="0" normalizeH="0" baseline="0" noProof="0" dirty="0">
+                <a:ln>
+                  <a:noFill/>
+                </a:ln>
+                <a:effectLst/>
+                <a:uLnTx/>
+                <a:uFillTx/>
+                <a:latin typeface="Courier New" panose="02070309020205020404" pitchFamily="49" charset="0"/>
+                <a:ea typeface="ＭＳ Ｐゴシック" panose="020B0600070205080204" pitchFamily="34" charset="-128"/>
+                <a:cs typeface="+mn-cs"/>
+              </a:rPr>
+              <a:t>public class</a:t>
+            </a:r>
+            <a:r>
+              <a:rPr kumimoji="0" lang="en-US" altLang="en-US" sz="1400" b="0" i="0" u="none" strike="noStrike" kern="1200" cap="none" spc="0" normalizeH="0" baseline="0" noProof="0" dirty="0">
+                <a:ln>
+                  <a:noFill/>
+                </a:ln>
+                <a:effectLst/>
+                <a:uLnTx/>
+                <a:uFillTx/>
+                <a:latin typeface="Courier New" panose="02070309020205020404" pitchFamily="49" charset="0"/>
+                <a:ea typeface="ＭＳ Ｐゴシック" panose="020B0600070205080204" pitchFamily="34" charset="-128"/>
+                <a:cs typeface="+mn-cs"/>
+              </a:rPr>
+              <a:t> Semaphore </a:t>
+            </a:r>
+            <a:r>
+              <a:rPr kumimoji="0" lang="en-US" altLang="en-US" sz="1400" b="1" i="0" u="none" strike="noStrike" kern="1200" cap="none" spc="0" normalizeH="0" baseline="0" noProof="0" dirty="0">
+                <a:ln>
+                  <a:noFill/>
+                </a:ln>
+                <a:effectLst/>
+                <a:uLnTx/>
+                <a:uFillTx/>
+                <a:latin typeface="Courier New" panose="02070309020205020404" pitchFamily="49" charset="0"/>
+                <a:ea typeface="ＭＳ Ｐゴシック" panose="020B0600070205080204" pitchFamily="34" charset="-128"/>
+                <a:cs typeface="+mn-cs"/>
+              </a:rPr>
+              <a:t>{</a:t>
+            </a:r>
+          </a:p>
+          <a:p>
+            <a:pPr marL="0" marR="0" lvl="0" indent="0" algn="l" defTabSz="914400" rtl="0" eaLnBrk="1" fontAlgn="base" latinLnBrk="0" hangingPunct="1">
+              <a:lnSpc>
+                <a:spcPct val="100000"/>
+              </a:lnSpc>
+              <a:spcBef>
+                <a:spcPct val="0"/>
+              </a:spcBef>
+              <a:spcAft>
+                <a:spcPct val="0"/>
+              </a:spcAft>
+              <a:buClrTx/>
+              <a:buSzTx/>
+              <a:buFontTx/>
+              <a:buNone/>
+              <a:tabLst/>
+              <a:defRPr/>
+            </a:pPr>
+            <a:endParaRPr kumimoji="0" lang="en-US" altLang="en-US" sz="1400" b="0" i="0" u="none" strike="noStrike" kern="1200" cap="none" spc="0" normalizeH="0" baseline="0" noProof="0" dirty="0">
+              <a:ln>
+                <a:noFill/>
+              </a:ln>
+              <a:effectLst/>
+              <a:uLnTx/>
+              <a:uFillTx/>
+              <a:latin typeface="Courier New" panose="02070309020205020404" pitchFamily="49" charset="0"/>
+              <a:ea typeface="ＭＳ Ｐゴシック" panose="020B0600070205080204" pitchFamily="34" charset="-128"/>
+              <a:cs typeface="+mn-cs"/>
+            </a:endParaRPr>
+          </a:p>
+          <a:p>
+            <a:pPr marL="0" marR="0" lvl="0" indent="0" algn="l" defTabSz="914400" rtl="0" eaLnBrk="1" fontAlgn="base" latinLnBrk="0" hangingPunct="1">
+              <a:lnSpc>
+                <a:spcPct val="100000"/>
+              </a:lnSpc>
+              <a:spcBef>
+                <a:spcPct val="0"/>
+              </a:spcBef>
+              <a:spcAft>
+                <a:spcPct val="0"/>
+              </a:spcAft>
+              <a:buClrTx/>
+              <a:buSzTx/>
+              <a:buFontTx/>
+              <a:buNone/>
+              <a:tabLst/>
+              <a:defRPr/>
+            </a:pPr>
+            <a:r>
+              <a:rPr kumimoji="0" lang="en-US" altLang="en-US" sz="1400" b="0" i="0" u="none" strike="noStrike" kern="1200" cap="none" spc="0" normalizeH="0" baseline="0" noProof="0" dirty="0">
+                <a:ln>
+                  <a:noFill/>
+                </a:ln>
+                <a:effectLst/>
+                <a:uLnTx/>
+                <a:uFillTx/>
+                <a:latin typeface="Courier New" panose="02070309020205020404" pitchFamily="49" charset="0"/>
+                <a:ea typeface="ＭＳ Ｐゴシック" panose="020B0600070205080204" pitchFamily="34" charset="-128"/>
+                <a:cs typeface="+mn-cs"/>
+              </a:rPr>
+              <a:t>  </a:t>
+            </a:r>
+            <a:r>
+              <a:rPr kumimoji="0" lang="en-US" altLang="en-US" sz="1400" b="1" i="0" u="none" strike="noStrike" kern="1200" cap="none" spc="0" normalizeH="0" baseline="0" noProof="0" dirty="0">
+                <a:ln>
+                  <a:noFill/>
+                </a:ln>
+                <a:effectLst/>
+                <a:uLnTx/>
+                <a:uFillTx/>
+                <a:latin typeface="Courier New" panose="02070309020205020404" pitchFamily="49" charset="0"/>
+                <a:ea typeface="ＭＳ Ｐゴシック" panose="020B0600070205080204" pitchFamily="34" charset="-128"/>
+                <a:cs typeface="+mn-cs"/>
+              </a:rPr>
+              <a:t>long</a:t>
+            </a:r>
+            <a:r>
+              <a:rPr kumimoji="0" lang="en-US" altLang="en-US" sz="1400" b="0" i="0" u="none" strike="noStrike" kern="1200" cap="none" spc="0" normalizeH="0" baseline="0" noProof="0" dirty="0">
+                <a:ln>
+                  <a:noFill/>
+                </a:ln>
+                <a:effectLst/>
+                <a:uLnTx/>
+                <a:uFillTx/>
+                <a:latin typeface="Courier New" panose="02070309020205020404" pitchFamily="49" charset="0"/>
+                <a:ea typeface="ＭＳ Ｐゴシック" panose="020B0600070205080204" pitchFamily="34" charset="-128"/>
+                <a:cs typeface="+mn-cs"/>
+              </a:rPr>
+              <a:t> </a:t>
+            </a:r>
+            <a:r>
+              <a:rPr kumimoji="0" lang="en-US" altLang="en-US" sz="1400" b="0" i="0" u="none" strike="noStrike" kern="1200" cap="none" spc="0" normalizeH="0" baseline="0" noProof="0" dirty="0" err="1">
+                <a:ln>
+                  <a:noFill/>
+                </a:ln>
+                <a:effectLst/>
+                <a:uLnTx/>
+                <a:uFillTx/>
+                <a:latin typeface="Courier New" panose="02070309020205020404" pitchFamily="49" charset="0"/>
+                <a:ea typeface="ＭＳ Ｐゴシック" panose="020B0600070205080204" pitchFamily="34" charset="-128"/>
+                <a:cs typeface="+mn-cs"/>
+              </a:rPr>
+              <a:t>sem</a:t>
+            </a:r>
+            <a:r>
+              <a:rPr kumimoji="0" lang="en-US" altLang="en-US" sz="1400" b="0" i="0" u="none" strike="noStrike" kern="1200" cap="none" spc="0" normalizeH="0" baseline="0" noProof="0" dirty="0">
+                <a:ln>
+                  <a:noFill/>
+                </a:ln>
+                <a:effectLst/>
+                <a:uLnTx/>
+                <a:uFillTx/>
+                <a:latin typeface="Courier New" panose="02070309020205020404" pitchFamily="49" charset="0"/>
+                <a:ea typeface="ＭＳ Ｐゴシック" panose="020B0600070205080204" pitchFamily="34" charset="-128"/>
+                <a:cs typeface="+mn-cs"/>
+              </a:rPr>
+              <a:t>;</a:t>
+            </a:r>
+          </a:p>
+          <a:p>
+            <a:pPr marL="0" marR="0" lvl="0" indent="0" algn="l" defTabSz="914400" rtl="0" eaLnBrk="1" fontAlgn="base" latinLnBrk="0" hangingPunct="1">
+              <a:lnSpc>
+                <a:spcPct val="100000"/>
+              </a:lnSpc>
+              <a:spcBef>
+                <a:spcPct val="0"/>
+              </a:spcBef>
+              <a:spcAft>
+                <a:spcPct val="0"/>
+              </a:spcAft>
+              <a:buClrTx/>
+              <a:buSzTx/>
+              <a:buFontTx/>
+              <a:buNone/>
+              <a:tabLst/>
+              <a:defRPr/>
+            </a:pPr>
+            <a:endParaRPr kumimoji="0" lang="en-US" altLang="en-US" sz="1400" b="0" i="0" u="none" strike="noStrike" kern="1200" cap="none" spc="0" normalizeH="0" baseline="0" noProof="0" dirty="0">
+              <a:ln>
+                <a:noFill/>
+              </a:ln>
+              <a:effectLst/>
+              <a:uLnTx/>
+              <a:uFillTx/>
+              <a:latin typeface="Courier New" panose="02070309020205020404" pitchFamily="49" charset="0"/>
+              <a:ea typeface="ＭＳ Ｐゴシック" panose="020B0600070205080204" pitchFamily="34" charset="-128"/>
+              <a:cs typeface="+mn-cs"/>
+            </a:endParaRPr>
+          </a:p>
+          <a:p>
+            <a:pPr marL="0" marR="0" lvl="0" indent="0" algn="l" defTabSz="914400" rtl="0" eaLnBrk="1" fontAlgn="base" latinLnBrk="0" hangingPunct="1">
+              <a:lnSpc>
+                <a:spcPct val="100000"/>
+              </a:lnSpc>
+              <a:spcBef>
+                <a:spcPct val="0"/>
+              </a:spcBef>
+              <a:spcAft>
+                <a:spcPct val="0"/>
+              </a:spcAft>
+              <a:buClrTx/>
+              <a:buSzTx/>
+              <a:buFontTx/>
+              <a:buNone/>
+              <a:tabLst/>
+              <a:defRPr/>
+            </a:pPr>
+            <a:r>
+              <a:rPr kumimoji="0" lang="en-US" altLang="en-US" sz="1400" b="0" i="0" u="none" strike="noStrike" kern="1200" cap="none" spc="0" normalizeH="0" baseline="0" noProof="0" dirty="0">
+                <a:ln>
+                  <a:noFill/>
+                </a:ln>
+                <a:effectLst/>
+                <a:uLnTx/>
+                <a:uFillTx/>
+                <a:latin typeface="Courier New" panose="02070309020205020404" pitchFamily="49" charset="0"/>
+                <a:ea typeface="ＭＳ Ｐゴシック" panose="020B0600070205080204" pitchFamily="34" charset="-128"/>
+                <a:cs typeface="+mn-cs"/>
+              </a:rPr>
+              <a:t>  </a:t>
+            </a:r>
+            <a:r>
+              <a:rPr kumimoji="0" lang="en-US" altLang="en-US" sz="1400" b="1" i="0" u="none" strike="noStrike" kern="1200" cap="none" spc="0" normalizeH="0" baseline="0" noProof="0" dirty="0">
+                <a:ln>
+                  <a:noFill/>
+                </a:ln>
+                <a:effectLst/>
+                <a:uLnTx/>
+                <a:uFillTx/>
+                <a:latin typeface="Courier New" panose="02070309020205020404" pitchFamily="49" charset="0"/>
+                <a:ea typeface="ＭＳ Ｐゴシック" panose="020B0600070205080204" pitchFamily="34" charset="-128"/>
+                <a:cs typeface="+mn-cs"/>
+              </a:rPr>
+              <a:t>public</a:t>
+            </a:r>
+            <a:r>
+              <a:rPr kumimoji="0" lang="en-US" altLang="en-US" sz="1400" b="0" i="0" u="none" strike="noStrike" kern="1200" cap="none" spc="0" normalizeH="0" baseline="0" noProof="0" dirty="0">
+                <a:ln>
+                  <a:noFill/>
+                </a:ln>
+                <a:effectLst/>
+                <a:uLnTx/>
+                <a:uFillTx/>
+                <a:latin typeface="Courier New" panose="02070309020205020404" pitchFamily="49" charset="0"/>
+                <a:ea typeface="ＭＳ Ｐゴシック" panose="020B0600070205080204" pitchFamily="34" charset="-128"/>
+                <a:cs typeface="+mn-cs"/>
+              </a:rPr>
+              <a:t> Semaphore(</a:t>
+            </a:r>
+            <a:r>
+              <a:rPr kumimoji="0" lang="en-US" altLang="en-US" sz="1400" b="1" i="0" u="none" strike="noStrike" kern="1200" cap="none" spc="0" normalizeH="0" baseline="0" noProof="0" dirty="0">
+                <a:ln>
+                  <a:noFill/>
+                </a:ln>
+                <a:effectLst/>
+                <a:uLnTx/>
+                <a:uFillTx/>
+                <a:latin typeface="Courier New" panose="02070309020205020404" pitchFamily="49" charset="0"/>
+                <a:ea typeface="ＭＳ Ｐゴシック" panose="020B0600070205080204" pitchFamily="34" charset="-128"/>
+                <a:cs typeface="+mn-cs"/>
+              </a:rPr>
+              <a:t>long</a:t>
+            </a:r>
+            <a:r>
+              <a:rPr kumimoji="0" lang="en-US" altLang="en-US" sz="1400" b="0" i="0" u="none" strike="noStrike" kern="1200" cap="none" spc="0" normalizeH="0" baseline="0" noProof="0" dirty="0">
+                <a:ln>
+                  <a:noFill/>
+                </a:ln>
+                <a:effectLst/>
+                <a:uLnTx/>
+                <a:uFillTx/>
+                <a:latin typeface="Courier New" panose="02070309020205020404" pitchFamily="49" charset="0"/>
+                <a:ea typeface="ＭＳ Ｐゴシック" panose="020B0600070205080204" pitchFamily="34" charset="-128"/>
+                <a:cs typeface="+mn-cs"/>
+              </a:rPr>
+              <a:t> </a:t>
+            </a:r>
+            <a:r>
+              <a:rPr kumimoji="0" lang="en-US" altLang="en-US" sz="1400" b="0" i="0" u="none" strike="noStrike" kern="1200" cap="none" spc="0" normalizeH="0" baseline="0" noProof="0" dirty="0" err="1">
+                <a:ln>
+                  <a:noFill/>
+                </a:ln>
+                <a:effectLst/>
+                <a:uLnTx/>
+                <a:uFillTx/>
+                <a:latin typeface="Courier New" panose="02070309020205020404" pitchFamily="49" charset="0"/>
+                <a:ea typeface="ＭＳ Ｐゴシック" panose="020B0600070205080204" pitchFamily="34" charset="-128"/>
+                <a:cs typeface="+mn-cs"/>
+              </a:rPr>
+              <a:t>init</a:t>
+            </a:r>
+            <a:r>
+              <a:rPr kumimoji="0" lang="en-US" altLang="en-US" sz="1400" b="0" i="0" u="none" strike="noStrike" kern="1200" cap="none" spc="0" normalizeH="0" baseline="0" noProof="0" dirty="0">
+                <a:ln>
+                  <a:noFill/>
+                </a:ln>
+                <a:effectLst/>
+                <a:uLnTx/>
+                <a:uFillTx/>
+                <a:latin typeface="Courier New" panose="02070309020205020404" pitchFamily="49" charset="0"/>
+                <a:ea typeface="ＭＳ Ｐゴシック" panose="020B0600070205080204" pitchFamily="34" charset="-128"/>
+                <a:cs typeface="+mn-cs"/>
+              </a:rPr>
+              <a:t>) </a:t>
+            </a:r>
+            <a:r>
+              <a:rPr kumimoji="0" lang="en-US" altLang="en-US" sz="1400" b="1" i="0" u="none" strike="noStrike" kern="1200" cap="none" spc="0" normalizeH="0" baseline="0" noProof="0" dirty="0">
+                <a:ln>
+                  <a:noFill/>
+                </a:ln>
+                <a:effectLst/>
+                <a:uLnTx/>
+                <a:uFillTx/>
+                <a:latin typeface="Courier New" panose="02070309020205020404" pitchFamily="49" charset="0"/>
+                <a:ea typeface="ＭＳ Ｐゴシック" panose="020B0600070205080204" pitchFamily="34" charset="-128"/>
+                <a:cs typeface="+mn-cs"/>
+              </a:rPr>
+              <a:t>{</a:t>
+            </a:r>
+          </a:p>
+          <a:p>
+            <a:pPr marL="0" marR="0" lvl="0" indent="0" algn="l" defTabSz="914400" rtl="0" eaLnBrk="1" fontAlgn="base" latinLnBrk="0" hangingPunct="1">
+              <a:lnSpc>
+                <a:spcPct val="100000"/>
+              </a:lnSpc>
+              <a:spcBef>
+                <a:spcPct val="0"/>
+              </a:spcBef>
+              <a:spcAft>
+                <a:spcPct val="0"/>
+              </a:spcAft>
+              <a:buClrTx/>
+              <a:buSzTx/>
+              <a:buFontTx/>
+              <a:buNone/>
+              <a:tabLst/>
+              <a:defRPr/>
+            </a:pPr>
+            <a:r>
+              <a:rPr kumimoji="0" lang="en-US" altLang="en-US" sz="1400" b="0" i="0" u="none" strike="noStrike" kern="1200" cap="none" spc="0" normalizeH="0" baseline="0" noProof="0" dirty="0">
+                <a:ln>
+                  <a:noFill/>
+                </a:ln>
+                <a:effectLst/>
+                <a:uLnTx/>
+                <a:uFillTx/>
+                <a:latin typeface="Courier New" panose="02070309020205020404" pitchFamily="49" charset="0"/>
+                <a:ea typeface="ＭＳ Ｐゴシック" panose="020B0600070205080204" pitchFamily="34" charset="-128"/>
+                <a:cs typeface="+mn-cs"/>
+              </a:rPr>
+              <a:t>    </a:t>
+            </a:r>
+            <a:r>
+              <a:rPr kumimoji="0" lang="en-US" altLang="en-US" sz="1400" b="0" i="0" u="none" strike="noStrike" kern="1200" cap="none" spc="0" normalizeH="0" baseline="0" noProof="0" dirty="0" err="1">
+                <a:ln>
+                  <a:noFill/>
+                </a:ln>
+                <a:effectLst/>
+                <a:uLnTx/>
+                <a:uFillTx/>
+                <a:latin typeface="Courier New" panose="02070309020205020404" pitchFamily="49" charset="0"/>
+                <a:ea typeface="ＭＳ Ｐゴシック" panose="020B0600070205080204" pitchFamily="34" charset="-128"/>
+                <a:cs typeface="+mn-cs"/>
+              </a:rPr>
+              <a:t>sem</a:t>
+            </a:r>
+            <a:r>
+              <a:rPr kumimoji="0" lang="en-US" altLang="en-US" sz="1400" b="0" i="0" u="none" strike="noStrike" kern="1200" cap="none" spc="0" normalizeH="0" baseline="0" noProof="0" dirty="0">
+                <a:ln>
+                  <a:noFill/>
+                </a:ln>
+                <a:effectLst/>
+                <a:uLnTx/>
+                <a:uFillTx/>
+                <a:latin typeface="Courier New" panose="02070309020205020404" pitchFamily="49" charset="0"/>
+                <a:ea typeface="ＭＳ Ｐゴシック" panose="020B0600070205080204" pitchFamily="34" charset="-128"/>
+                <a:cs typeface="+mn-cs"/>
+              </a:rPr>
+              <a:t> = </a:t>
+            </a:r>
+            <a:r>
+              <a:rPr kumimoji="0" lang="en-US" altLang="en-US" sz="1400" b="0" i="0" u="none" strike="noStrike" kern="1200" cap="none" spc="0" normalizeH="0" baseline="0" noProof="0" dirty="0" err="1">
+                <a:ln>
+                  <a:noFill/>
+                </a:ln>
+                <a:effectLst/>
+                <a:uLnTx/>
+                <a:uFillTx/>
+                <a:latin typeface="Courier New" panose="02070309020205020404" pitchFamily="49" charset="0"/>
+                <a:ea typeface="ＭＳ Ｐゴシック" panose="020B0600070205080204" pitchFamily="34" charset="-128"/>
+                <a:cs typeface="+mn-cs"/>
+              </a:rPr>
+              <a:t>init</a:t>
+            </a:r>
+            <a:r>
+              <a:rPr kumimoji="0" lang="en-US" altLang="en-US" sz="1400" b="0" i="0" u="none" strike="noStrike" kern="1200" cap="none" spc="0" normalizeH="0" baseline="0" noProof="0" dirty="0">
+                <a:ln>
+                  <a:noFill/>
+                </a:ln>
+                <a:effectLst/>
+                <a:uLnTx/>
+                <a:uFillTx/>
+                <a:latin typeface="Courier New" panose="02070309020205020404" pitchFamily="49" charset="0"/>
+                <a:ea typeface="ＭＳ Ｐゴシック" panose="020B0600070205080204" pitchFamily="34" charset="-128"/>
+                <a:cs typeface="+mn-cs"/>
+              </a:rPr>
+              <a:t>;</a:t>
+            </a:r>
+          </a:p>
+          <a:p>
+            <a:pPr marL="0" marR="0" lvl="0" indent="0" algn="l" defTabSz="914400" rtl="0" eaLnBrk="1" fontAlgn="base" latinLnBrk="0" hangingPunct="1">
+              <a:lnSpc>
+                <a:spcPct val="100000"/>
+              </a:lnSpc>
+              <a:spcBef>
+                <a:spcPct val="0"/>
+              </a:spcBef>
+              <a:spcAft>
+                <a:spcPct val="0"/>
+              </a:spcAft>
+              <a:buClrTx/>
+              <a:buSzTx/>
+              <a:buFontTx/>
+              <a:buNone/>
+              <a:tabLst/>
+              <a:defRPr/>
+            </a:pPr>
+            <a:r>
+              <a:rPr kumimoji="0" lang="en-US" altLang="en-US" sz="1400" b="0" i="0" u="none" strike="noStrike" kern="1200" cap="none" spc="0" normalizeH="0" baseline="0" noProof="0" dirty="0">
+                <a:ln>
+                  <a:noFill/>
+                </a:ln>
+                <a:effectLst/>
+                <a:uLnTx/>
+                <a:uFillTx/>
+                <a:latin typeface="Courier New" panose="02070309020205020404" pitchFamily="49" charset="0"/>
+                <a:ea typeface="ＭＳ Ｐゴシック" panose="020B0600070205080204" pitchFamily="34" charset="-128"/>
+                <a:cs typeface="+mn-cs"/>
+              </a:rPr>
+              <a:t>  </a:t>
+            </a:r>
+            <a:r>
+              <a:rPr kumimoji="0" lang="en-US" altLang="en-US" sz="1400" b="1" i="0" u="none" strike="noStrike" kern="1200" cap="none" spc="0" normalizeH="0" baseline="0" noProof="0" dirty="0">
+                <a:ln>
+                  <a:noFill/>
+                </a:ln>
+                <a:effectLst/>
+                <a:uLnTx/>
+                <a:uFillTx/>
+                <a:latin typeface="Courier New" panose="02070309020205020404" pitchFamily="49" charset="0"/>
+                <a:ea typeface="ＭＳ Ｐゴシック" panose="020B0600070205080204" pitchFamily="34" charset="-128"/>
+                <a:cs typeface="+mn-cs"/>
+              </a:rPr>
+              <a:t>}</a:t>
+            </a:r>
+          </a:p>
+          <a:p>
+            <a:pPr marL="0" marR="0" lvl="0" indent="0" algn="l" defTabSz="914400" rtl="0" eaLnBrk="1" fontAlgn="base" latinLnBrk="0" hangingPunct="1">
+              <a:lnSpc>
+                <a:spcPct val="100000"/>
+              </a:lnSpc>
+              <a:spcBef>
+                <a:spcPct val="0"/>
+              </a:spcBef>
+              <a:spcAft>
+                <a:spcPct val="0"/>
+              </a:spcAft>
+              <a:buClrTx/>
+              <a:buSzTx/>
+              <a:buFontTx/>
+              <a:buNone/>
+              <a:tabLst/>
+              <a:defRPr/>
+            </a:pPr>
+            <a:endParaRPr kumimoji="0" lang="en-US" altLang="en-US" sz="1400" b="1" i="0" u="none" strike="noStrike" kern="1200" cap="none" spc="0" normalizeH="0" baseline="0" noProof="0" dirty="0">
+              <a:ln>
+                <a:noFill/>
+              </a:ln>
+              <a:effectLst/>
+              <a:uLnTx/>
+              <a:uFillTx/>
+              <a:latin typeface="Courier New" panose="02070309020205020404" pitchFamily="49" charset="0"/>
+              <a:ea typeface="ＭＳ Ｐゴシック" panose="020B0600070205080204" pitchFamily="34" charset="-128"/>
+              <a:cs typeface="+mn-cs"/>
+            </a:endParaRPr>
+          </a:p>
+          <a:p>
+            <a:pPr marL="0" marR="0" lvl="0" indent="0" algn="l" defTabSz="914400" rtl="0" eaLnBrk="1" fontAlgn="base" latinLnBrk="0" hangingPunct="1">
+              <a:lnSpc>
+                <a:spcPct val="100000"/>
+              </a:lnSpc>
+              <a:spcBef>
+                <a:spcPct val="0"/>
+              </a:spcBef>
+              <a:spcAft>
+                <a:spcPct val="0"/>
+              </a:spcAft>
+              <a:buClrTx/>
+              <a:buSzTx/>
+              <a:buFontTx/>
+              <a:buNone/>
+              <a:tabLst/>
+              <a:defRPr/>
+            </a:pPr>
+            <a:r>
+              <a:rPr kumimoji="0" lang="en-US" altLang="en-US" sz="1400" b="0" i="0" u="none" strike="noStrike" kern="1200" cap="none" spc="0" normalizeH="0" baseline="0" noProof="0" dirty="0">
+                <a:ln>
+                  <a:noFill/>
+                </a:ln>
+                <a:effectLst/>
+                <a:uLnTx/>
+                <a:uFillTx/>
+                <a:latin typeface="Courier New" panose="02070309020205020404" pitchFamily="49" charset="0"/>
+                <a:ea typeface="ＭＳ Ｐゴシック" panose="020B0600070205080204" pitchFamily="34" charset="-128"/>
+                <a:cs typeface="+mn-cs"/>
+              </a:rPr>
+              <a:t>  </a:t>
+            </a:r>
+            <a:r>
+              <a:rPr kumimoji="0" lang="en-US" altLang="en-US" sz="1400" b="1" i="0" u="none" strike="noStrike" kern="1200" cap="none" spc="0" normalizeH="0" baseline="0" noProof="0" dirty="0">
+                <a:ln>
+                  <a:noFill/>
+                </a:ln>
+                <a:effectLst/>
+                <a:uLnTx/>
+                <a:uFillTx/>
+                <a:latin typeface="Courier New" panose="02070309020205020404" pitchFamily="49" charset="0"/>
+                <a:ea typeface="ＭＳ Ｐゴシック" panose="020B0600070205080204" pitchFamily="34" charset="-128"/>
+                <a:cs typeface="+mn-cs"/>
+              </a:rPr>
+              <a:t>public synchronized void</a:t>
+            </a:r>
+            <a:r>
+              <a:rPr kumimoji="0" lang="en-US" altLang="en-US" sz="1400" b="0" i="0" u="none" strike="noStrike" kern="1200" cap="none" spc="0" normalizeH="0" baseline="0" noProof="0" dirty="0">
+                <a:ln>
+                  <a:noFill/>
+                </a:ln>
+                <a:effectLst/>
+                <a:uLnTx/>
+                <a:uFillTx/>
+                <a:latin typeface="Courier New" panose="02070309020205020404" pitchFamily="49" charset="0"/>
+                <a:ea typeface="ＭＳ Ｐゴシック" panose="020B0600070205080204" pitchFamily="34" charset="-128"/>
+                <a:cs typeface="+mn-cs"/>
+              </a:rPr>
+              <a:t> acquire() </a:t>
+            </a:r>
+            <a:r>
+              <a:rPr kumimoji="0" lang="en-US" altLang="en-US" sz="1400" b="1" i="0" u="none" strike="noStrike" kern="1200" cap="none" spc="0" normalizeH="0" baseline="0" noProof="0" dirty="0">
+                <a:ln>
+                  <a:noFill/>
+                </a:ln>
+                <a:effectLst/>
+                <a:uLnTx/>
+                <a:uFillTx/>
+                <a:latin typeface="Courier New" panose="02070309020205020404" pitchFamily="49" charset="0"/>
+                <a:ea typeface="ＭＳ Ｐゴシック" panose="020B0600070205080204" pitchFamily="34" charset="-128"/>
+                <a:cs typeface="+mn-cs"/>
+              </a:rPr>
+              <a:t>throws</a:t>
+            </a:r>
+            <a:r>
+              <a:rPr kumimoji="0" lang="en-US" altLang="en-US" sz="1400" b="0" i="0" u="none" strike="noStrike" kern="1200" cap="none" spc="0" normalizeH="0" baseline="0" noProof="0" dirty="0">
+                <a:ln>
+                  <a:noFill/>
+                </a:ln>
+                <a:effectLst/>
+                <a:uLnTx/>
+                <a:uFillTx/>
+                <a:latin typeface="Courier New" panose="02070309020205020404" pitchFamily="49" charset="0"/>
+                <a:ea typeface="ＭＳ Ｐゴシック" panose="020B0600070205080204" pitchFamily="34" charset="-128"/>
+                <a:cs typeface="+mn-cs"/>
+              </a:rPr>
+              <a:t> </a:t>
+            </a:r>
+            <a:r>
+              <a:rPr kumimoji="0" lang="en-US" altLang="en-US" sz="1400" b="0" i="0" u="none" strike="noStrike" kern="1200" cap="none" spc="0" normalizeH="0" baseline="0" noProof="0" dirty="0" err="1">
+                <a:ln>
+                  <a:noFill/>
+                </a:ln>
+                <a:effectLst/>
+                <a:uLnTx/>
+                <a:uFillTx/>
+                <a:latin typeface="Courier New" panose="02070309020205020404" pitchFamily="49" charset="0"/>
+                <a:ea typeface="ＭＳ Ｐゴシック" panose="020B0600070205080204" pitchFamily="34" charset="-128"/>
+                <a:cs typeface="+mn-cs"/>
+              </a:rPr>
+              <a:t>InterruptedException</a:t>
+            </a:r>
+            <a:r>
+              <a:rPr kumimoji="0" lang="en-US" altLang="en-US" sz="1400" b="0" i="0" u="none" strike="noStrike" kern="1200" cap="none" spc="0" normalizeH="0" baseline="0" noProof="0" dirty="0">
+                <a:ln>
+                  <a:noFill/>
+                </a:ln>
+                <a:effectLst/>
+                <a:uLnTx/>
+                <a:uFillTx/>
+                <a:latin typeface="Courier New" panose="02070309020205020404" pitchFamily="49" charset="0"/>
+                <a:ea typeface="ＭＳ Ｐゴシック" panose="020B0600070205080204" pitchFamily="34" charset="-128"/>
+                <a:cs typeface="+mn-cs"/>
+              </a:rPr>
+              <a:t> </a:t>
+            </a:r>
+            <a:r>
+              <a:rPr kumimoji="0" lang="en-US" altLang="en-US" sz="1400" b="1" i="0" u="none" strike="noStrike" kern="1200" cap="none" spc="0" normalizeH="0" baseline="0" noProof="0" dirty="0">
+                <a:ln>
+                  <a:noFill/>
+                </a:ln>
+                <a:effectLst/>
+                <a:uLnTx/>
+                <a:uFillTx/>
+                <a:latin typeface="Courier New" panose="02070309020205020404" pitchFamily="49" charset="0"/>
+                <a:ea typeface="ＭＳ Ｐゴシック" panose="020B0600070205080204" pitchFamily="34" charset="-128"/>
+                <a:cs typeface="+mn-cs"/>
+              </a:rPr>
+              <a:t>{</a:t>
+            </a:r>
+          </a:p>
+          <a:p>
+            <a:pPr marL="0" marR="0" lvl="0" indent="0" algn="l" defTabSz="914400" rtl="0" eaLnBrk="1" fontAlgn="base" latinLnBrk="0" hangingPunct="1">
+              <a:lnSpc>
+                <a:spcPct val="100000"/>
+              </a:lnSpc>
+              <a:spcBef>
+                <a:spcPct val="0"/>
+              </a:spcBef>
+              <a:spcAft>
+                <a:spcPct val="0"/>
+              </a:spcAft>
+              <a:buClrTx/>
+              <a:buSzTx/>
+              <a:buFontTx/>
+              <a:buNone/>
+              <a:tabLst/>
+              <a:defRPr/>
+            </a:pPr>
+            <a:r>
+              <a:rPr kumimoji="0" lang="en-US" altLang="en-US" sz="1400" b="0" i="0" u="none" strike="noStrike" kern="1200" cap="none" spc="0" normalizeH="0" baseline="0" noProof="0" dirty="0">
+                <a:ln>
+                  <a:noFill/>
+                </a:ln>
+                <a:effectLst/>
+                <a:uLnTx/>
+                <a:uFillTx/>
+                <a:latin typeface="Courier New" panose="02070309020205020404" pitchFamily="49" charset="0"/>
+                <a:ea typeface="ＭＳ Ｐゴシック" panose="020B0600070205080204" pitchFamily="34" charset="-128"/>
+                <a:cs typeface="+mn-cs"/>
+              </a:rPr>
+              <a:t>    </a:t>
+            </a:r>
+            <a:r>
+              <a:rPr kumimoji="0" lang="en-US" altLang="en-US" sz="1400" b="1" i="0" u="none" strike="noStrike" kern="1200" cap="none" spc="0" normalizeH="0" baseline="0" noProof="0" dirty="0">
+                <a:ln>
+                  <a:noFill/>
+                </a:ln>
+                <a:effectLst/>
+                <a:uLnTx/>
+                <a:uFillTx/>
+                <a:latin typeface="Courier New" panose="02070309020205020404" pitchFamily="49" charset="0"/>
+                <a:ea typeface="ＭＳ Ｐゴシック" panose="020B0600070205080204" pitchFamily="34" charset="-128"/>
+                <a:cs typeface="+mn-cs"/>
+              </a:rPr>
+              <a:t>while </a:t>
+            </a:r>
+            <a:r>
+              <a:rPr kumimoji="0" lang="en-US" altLang="en-US" sz="1400" b="0" i="0" u="none" strike="noStrike" kern="1200" cap="none" spc="0" normalizeH="0" baseline="0" noProof="0" dirty="0">
+                <a:ln>
+                  <a:noFill/>
+                </a:ln>
+                <a:effectLst/>
+                <a:uLnTx/>
+                <a:uFillTx/>
+                <a:latin typeface="Courier New" panose="02070309020205020404" pitchFamily="49" charset="0"/>
+                <a:ea typeface="ＭＳ Ｐゴシック" panose="020B0600070205080204" pitchFamily="34" charset="-128"/>
+                <a:cs typeface="+mn-cs"/>
+              </a:rPr>
+              <a:t>( </a:t>
+            </a:r>
+            <a:r>
+              <a:rPr kumimoji="0" lang="en-US" altLang="en-US" sz="1400" b="0" i="0" u="none" strike="noStrike" kern="1200" cap="none" spc="0" normalizeH="0" baseline="0" noProof="0" dirty="0" err="1">
+                <a:ln>
+                  <a:noFill/>
+                </a:ln>
+                <a:effectLst/>
+                <a:uLnTx/>
+                <a:uFillTx/>
+                <a:latin typeface="Courier New" panose="02070309020205020404" pitchFamily="49" charset="0"/>
+                <a:ea typeface="ＭＳ Ｐゴシック" panose="020B0600070205080204" pitchFamily="34" charset="-128"/>
+                <a:cs typeface="+mn-cs"/>
+              </a:rPr>
+              <a:t>sem</a:t>
+            </a:r>
+            <a:r>
+              <a:rPr kumimoji="0" lang="en-US" altLang="en-US" sz="1400" b="0" i="0" u="none" strike="noStrike" kern="1200" cap="none" spc="0" normalizeH="0" baseline="0" noProof="0" dirty="0">
+                <a:ln>
+                  <a:noFill/>
+                </a:ln>
+                <a:effectLst/>
+                <a:uLnTx/>
+                <a:uFillTx/>
+                <a:latin typeface="Courier New" panose="02070309020205020404" pitchFamily="49" charset="0"/>
+                <a:ea typeface="ＭＳ Ｐゴシック" panose="020B0600070205080204" pitchFamily="34" charset="-128"/>
+                <a:cs typeface="+mn-cs"/>
+              </a:rPr>
+              <a:t> == 0 ) wait();</a:t>
+            </a:r>
+          </a:p>
+          <a:p>
+            <a:pPr marL="0" marR="0" lvl="0" indent="0" algn="l" defTabSz="914400" rtl="0" eaLnBrk="1" fontAlgn="base" latinLnBrk="0" hangingPunct="1">
+              <a:lnSpc>
+                <a:spcPct val="100000"/>
+              </a:lnSpc>
+              <a:spcBef>
+                <a:spcPct val="0"/>
+              </a:spcBef>
+              <a:spcAft>
+                <a:spcPct val="0"/>
+              </a:spcAft>
+              <a:buClrTx/>
+              <a:buSzTx/>
+              <a:buFontTx/>
+              <a:buNone/>
+              <a:tabLst/>
+              <a:defRPr/>
+            </a:pPr>
+            <a:r>
+              <a:rPr kumimoji="0" lang="en-US" altLang="en-US" sz="1400" b="0" i="0" u="none" strike="noStrike" kern="1200" cap="none" spc="0" normalizeH="0" baseline="0" noProof="0" dirty="0">
+                <a:ln>
+                  <a:noFill/>
+                </a:ln>
+                <a:effectLst/>
+                <a:uLnTx/>
+                <a:uFillTx/>
+                <a:latin typeface="Courier New" panose="02070309020205020404" pitchFamily="49" charset="0"/>
+                <a:ea typeface="ＭＳ Ｐゴシック" panose="020B0600070205080204" pitchFamily="34" charset="-128"/>
+                <a:cs typeface="+mn-cs"/>
+              </a:rPr>
+              <a:t>    </a:t>
+            </a:r>
+            <a:r>
+              <a:rPr kumimoji="0" lang="en-US" altLang="en-US" sz="1400" b="0" i="0" u="none" strike="noStrike" kern="1200" cap="none" spc="0" normalizeH="0" baseline="0" noProof="0" dirty="0" err="1">
+                <a:ln>
+                  <a:noFill/>
+                </a:ln>
+                <a:effectLst/>
+                <a:uLnTx/>
+                <a:uFillTx/>
+                <a:latin typeface="Courier New" panose="02070309020205020404" pitchFamily="49" charset="0"/>
+                <a:ea typeface="ＭＳ Ｐゴシック" panose="020B0600070205080204" pitchFamily="34" charset="-128"/>
+                <a:cs typeface="+mn-cs"/>
+              </a:rPr>
+              <a:t>sem</a:t>
+            </a:r>
+            <a:r>
+              <a:rPr kumimoji="0" lang="en-US" altLang="en-US" sz="1400" b="0" i="0" u="none" strike="noStrike" kern="1200" cap="none" spc="0" normalizeH="0" baseline="0" noProof="0" dirty="0">
+                <a:ln>
+                  <a:noFill/>
+                </a:ln>
+                <a:effectLst/>
+                <a:uLnTx/>
+                <a:uFillTx/>
+                <a:latin typeface="Courier New" panose="02070309020205020404" pitchFamily="49" charset="0"/>
+                <a:ea typeface="ＭＳ Ｐゴシック" panose="020B0600070205080204" pitchFamily="34" charset="-128"/>
+                <a:cs typeface="+mn-cs"/>
+              </a:rPr>
+              <a:t> -= 1;</a:t>
+            </a:r>
+          </a:p>
+          <a:p>
+            <a:pPr marL="0" marR="0" lvl="0" indent="0" algn="l" defTabSz="914400" rtl="0" eaLnBrk="1" fontAlgn="base" latinLnBrk="0" hangingPunct="1">
+              <a:lnSpc>
+                <a:spcPct val="100000"/>
+              </a:lnSpc>
+              <a:spcBef>
+                <a:spcPct val="0"/>
+              </a:spcBef>
+              <a:spcAft>
+                <a:spcPct val="0"/>
+              </a:spcAft>
+              <a:buClrTx/>
+              <a:buSzTx/>
+              <a:buFontTx/>
+              <a:buNone/>
+              <a:tabLst/>
+              <a:defRPr/>
+            </a:pPr>
+            <a:r>
+              <a:rPr kumimoji="0" lang="en-US" altLang="en-US" sz="1400" b="0" i="0" u="none" strike="noStrike" kern="1200" cap="none" spc="0" normalizeH="0" baseline="0" noProof="0" dirty="0">
+                <a:ln>
+                  <a:noFill/>
+                </a:ln>
+                <a:effectLst/>
+                <a:uLnTx/>
+                <a:uFillTx/>
+                <a:latin typeface="Courier New" panose="02070309020205020404" pitchFamily="49" charset="0"/>
+                <a:ea typeface="ＭＳ Ｐゴシック" panose="020B0600070205080204" pitchFamily="34" charset="-128"/>
+                <a:cs typeface="+mn-cs"/>
+              </a:rPr>
+              <a:t>  </a:t>
+            </a:r>
+            <a:r>
+              <a:rPr kumimoji="0" lang="en-US" altLang="en-US" sz="1400" b="1" i="0" u="none" strike="noStrike" kern="1200" cap="none" spc="0" normalizeH="0" baseline="0" noProof="0" dirty="0">
+                <a:ln>
+                  <a:noFill/>
+                </a:ln>
+                <a:effectLst/>
+                <a:uLnTx/>
+                <a:uFillTx/>
+                <a:latin typeface="Courier New" panose="02070309020205020404" pitchFamily="49" charset="0"/>
+                <a:ea typeface="ＭＳ Ｐゴシック" panose="020B0600070205080204" pitchFamily="34" charset="-128"/>
+                <a:cs typeface="+mn-cs"/>
+              </a:rPr>
+              <a:t>}</a:t>
+            </a:r>
+          </a:p>
+          <a:p>
+            <a:pPr marL="0" marR="0" lvl="0" indent="0" algn="l" defTabSz="914400" rtl="0" eaLnBrk="1" fontAlgn="base" latinLnBrk="0" hangingPunct="1">
+              <a:lnSpc>
+                <a:spcPct val="100000"/>
+              </a:lnSpc>
+              <a:spcBef>
+                <a:spcPct val="0"/>
+              </a:spcBef>
+              <a:spcAft>
+                <a:spcPct val="0"/>
+              </a:spcAft>
+              <a:buClrTx/>
+              <a:buSzTx/>
+              <a:buFontTx/>
+              <a:buNone/>
+              <a:tabLst/>
+              <a:defRPr/>
+            </a:pPr>
+            <a:endParaRPr kumimoji="0" lang="en-US" altLang="en-US" sz="1400" b="0" i="0" u="none" strike="noStrike" kern="1200" cap="none" spc="0" normalizeH="0" baseline="0" noProof="0" dirty="0">
+              <a:ln>
+                <a:noFill/>
+              </a:ln>
+              <a:effectLst/>
+              <a:uLnTx/>
+              <a:uFillTx/>
+              <a:latin typeface="Courier New" panose="02070309020205020404" pitchFamily="49" charset="0"/>
+              <a:ea typeface="ＭＳ Ｐゴシック" panose="020B0600070205080204" pitchFamily="34" charset="-128"/>
+              <a:cs typeface="+mn-cs"/>
+            </a:endParaRPr>
+          </a:p>
+          <a:p>
+            <a:pPr marL="0" marR="0" lvl="0" indent="0" algn="l" defTabSz="914400" rtl="0" eaLnBrk="1" fontAlgn="base" latinLnBrk="0" hangingPunct="1">
+              <a:lnSpc>
+                <a:spcPct val="100000"/>
+              </a:lnSpc>
+              <a:spcBef>
+                <a:spcPct val="0"/>
+              </a:spcBef>
+              <a:spcAft>
+                <a:spcPct val="0"/>
+              </a:spcAft>
+              <a:buClrTx/>
+              <a:buSzTx/>
+              <a:buFontTx/>
+              <a:buNone/>
+              <a:tabLst/>
+              <a:defRPr/>
+            </a:pPr>
+            <a:r>
+              <a:rPr kumimoji="0" lang="en-US" altLang="en-US" sz="1400" b="0" i="0" u="none" strike="noStrike" kern="1200" cap="none" spc="0" normalizeH="0" baseline="0" noProof="0" dirty="0">
+                <a:ln>
+                  <a:noFill/>
+                </a:ln>
+                <a:effectLst/>
+                <a:uLnTx/>
+                <a:uFillTx/>
+                <a:latin typeface="Courier New" panose="02070309020205020404" pitchFamily="49" charset="0"/>
+                <a:ea typeface="ＭＳ Ｐゴシック" panose="020B0600070205080204" pitchFamily="34" charset="-128"/>
+                <a:cs typeface="+mn-cs"/>
+              </a:rPr>
+              <a:t>  </a:t>
+            </a:r>
+            <a:r>
+              <a:rPr kumimoji="0" lang="en-US" altLang="en-US" sz="1400" b="1" i="0" u="none" strike="noStrike" kern="1200" cap="none" spc="0" normalizeH="0" baseline="0" noProof="0" dirty="0">
+                <a:ln>
+                  <a:noFill/>
+                </a:ln>
+                <a:effectLst/>
+                <a:uLnTx/>
+                <a:uFillTx/>
+                <a:latin typeface="Courier New" panose="02070309020205020404" pitchFamily="49" charset="0"/>
+                <a:ea typeface="ＭＳ Ｐゴシック" panose="020B0600070205080204" pitchFamily="34" charset="-128"/>
+                <a:cs typeface="+mn-cs"/>
+              </a:rPr>
+              <a:t>public synchronized void</a:t>
+            </a:r>
+            <a:r>
+              <a:rPr kumimoji="0" lang="en-US" altLang="en-US" sz="1400" b="0" i="0" u="none" strike="noStrike" kern="1200" cap="none" spc="0" normalizeH="0" baseline="0" noProof="0" dirty="0">
+                <a:ln>
+                  <a:noFill/>
+                </a:ln>
+                <a:effectLst/>
+                <a:uLnTx/>
+                <a:uFillTx/>
+                <a:latin typeface="Courier New" panose="02070309020205020404" pitchFamily="49" charset="0"/>
+                <a:ea typeface="ＭＳ Ｐゴシック" panose="020B0600070205080204" pitchFamily="34" charset="-128"/>
+                <a:cs typeface="+mn-cs"/>
+              </a:rPr>
+              <a:t> release() </a:t>
+            </a:r>
+            <a:r>
+              <a:rPr kumimoji="0" lang="en-US" altLang="en-US" sz="1400" b="1" i="0" u="none" strike="noStrike" kern="1200" cap="none" spc="0" normalizeH="0" baseline="0" noProof="0" dirty="0">
+                <a:ln>
+                  <a:noFill/>
+                </a:ln>
+                <a:effectLst/>
+                <a:uLnTx/>
+                <a:uFillTx/>
+                <a:latin typeface="Courier New" panose="02070309020205020404" pitchFamily="49" charset="0"/>
+                <a:ea typeface="ＭＳ Ｐゴシック" panose="020B0600070205080204" pitchFamily="34" charset="-128"/>
+                <a:cs typeface="+mn-cs"/>
+              </a:rPr>
+              <a:t>{</a:t>
+            </a:r>
+          </a:p>
+          <a:p>
+            <a:pPr marL="0" marR="0" lvl="0" indent="0" algn="l" defTabSz="914400" rtl="0" eaLnBrk="1" fontAlgn="base" latinLnBrk="0" hangingPunct="1">
+              <a:lnSpc>
+                <a:spcPct val="100000"/>
+              </a:lnSpc>
+              <a:spcBef>
+                <a:spcPct val="0"/>
+              </a:spcBef>
+              <a:spcAft>
+                <a:spcPct val="0"/>
+              </a:spcAft>
+              <a:buClrTx/>
+              <a:buSzTx/>
+              <a:buFontTx/>
+              <a:buNone/>
+              <a:tabLst/>
+              <a:defRPr/>
+            </a:pPr>
+            <a:r>
+              <a:rPr kumimoji="0" lang="en-US" altLang="en-US" sz="1400" b="0" i="0" u="none" strike="noStrike" kern="1200" cap="none" spc="0" normalizeH="0" baseline="0" noProof="0" dirty="0">
+                <a:ln>
+                  <a:noFill/>
+                </a:ln>
+                <a:effectLst/>
+                <a:uLnTx/>
+                <a:uFillTx/>
+                <a:latin typeface="Courier New" panose="02070309020205020404" pitchFamily="49" charset="0"/>
+                <a:ea typeface="ＭＳ Ｐゴシック" panose="020B0600070205080204" pitchFamily="34" charset="-128"/>
+                <a:cs typeface="+mn-cs"/>
+              </a:rPr>
+              <a:t>    </a:t>
+            </a:r>
+            <a:r>
+              <a:rPr kumimoji="0" lang="en-US" altLang="en-US" sz="1400" b="0" i="0" u="none" strike="noStrike" kern="1200" cap="none" spc="0" normalizeH="0" baseline="0" noProof="0" dirty="0" err="1">
+                <a:ln>
+                  <a:noFill/>
+                </a:ln>
+                <a:effectLst/>
+                <a:uLnTx/>
+                <a:uFillTx/>
+                <a:latin typeface="Courier New" panose="02070309020205020404" pitchFamily="49" charset="0"/>
+                <a:ea typeface="ＭＳ Ｐゴシック" panose="020B0600070205080204" pitchFamily="34" charset="-128"/>
+                <a:cs typeface="+mn-cs"/>
+              </a:rPr>
+              <a:t>sem</a:t>
+            </a:r>
+            <a:r>
+              <a:rPr kumimoji="0" lang="en-US" altLang="en-US" sz="1400" b="0" i="0" u="none" strike="noStrike" kern="1200" cap="none" spc="0" normalizeH="0" baseline="0" noProof="0" dirty="0">
+                <a:ln>
+                  <a:noFill/>
+                </a:ln>
+                <a:effectLst/>
+                <a:uLnTx/>
+                <a:uFillTx/>
+                <a:latin typeface="Courier New" panose="02070309020205020404" pitchFamily="49" charset="0"/>
+                <a:ea typeface="ＭＳ Ｐゴシック" panose="020B0600070205080204" pitchFamily="34" charset="-128"/>
+                <a:cs typeface="+mn-cs"/>
+              </a:rPr>
+              <a:t> += 1;</a:t>
+            </a:r>
+          </a:p>
+          <a:p>
+            <a:pPr marL="0" marR="0" lvl="0" indent="0" algn="l" defTabSz="914400" rtl="0" eaLnBrk="1" fontAlgn="base" latinLnBrk="0" hangingPunct="1">
+              <a:lnSpc>
+                <a:spcPct val="100000"/>
+              </a:lnSpc>
+              <a:spcBef>
+                <a:spcPct val="0"/>
+              </a:spcBef>
+              <a:spcAft>
+                <a:spcPct val="0"/>
+              </a:spcAft>
+              <a:buClrTx/>
+              <a:buSzTx/>
+              <a:buFontTx/>
+              <a:buNone/>
+              <a:tabLst/>
+              <a:defRPr/>
+            </a:pPr>
+            <a:r>
+              <a:rPr kumimoji="0" lang="en-US" altLang="en-US" sz="1400" b="0" i="0" u="none" strike="noStrike" kern="1200" cap="none" spc="0" normalizeH="0" baseline="0" noProof="0" dirty="0">
+                <a:ln>
+                  <a:noFill/>
+                </a:ln>
+                <a:effectLst/>
+                <a:uLnTx/>
+                <a:uFillTx/>
+                <a:latin typeface="Courier New" panose="02070309020205020404" pitchFamily="49" charset="0"/>
+                <a:ea typeface="ＭＳ Ｐゴシック" panose="020B0600070205080204" pitchFamily="34" charset="-128"/>
+                <a:cs typeface="+mn-cs"/>
+              </a:rPr>
+              <a:t>    </a:t>
+            </a:r>
+            <a:r>
+              <a:rPr kumimoji="0" lang="en-US" altLang="en-US" sz="1400" b="0" i="0" u="none" strike="noStrike" kern="1200" cap="none" spc="0" normalizeH="0" baseline="0" noProof="0" dirty="0" err="1">
+                <a:ln>
+                  <a:noFill/>
+                </a:ln>
+                <a:effectLst/>
+                <a:uLnTx/>
+                <a:uFillTx/>
+                <a:latin typeface="Courier New" panose="02070309020205020404" pitchFamily="49" charset="0"/>
+                <a:ea typeface="ＭＳ Ｐゴシック" panose="020B0600070205080204" pitchFamily="34" charset="-128"/>
+                <a:cs typeface="+mn-cs"/>
+              </a:rPr>
+              <a:t>notifyAll</a:t>
+            </a:r>
+            <a:r>
+              <a:rPr kumimoji="0" lang="en-US" altLang="en-US" sz="1400" b="0" i="0" u="none" strike="noStrike" kern="1200" cap="none" spc="0" normalizeH="0" baseline="0" noProof="0" dirty="0">
+                <a:ln>
+                  <a:noFill/>
+                </a:ln>
+                <a:effectLst/>
+                <a:uLnTx/>
+                <a:uFillTx/>
+                <a:latin typeface="Courier New" panose="02070309020205020404" pitchFamily="49" charset="0"/>
+                <a:ea typeface="ＭＳ Ｐゴシック" panose="020B0600070205080204" pitchFamily="34" charset="-128"/>
+                <a:cs typeface="+mn-cs"/>
+              </a:rPr>
+              <a:t>();</a:t>
+            </a:r>
+          </a:p>
+          <a:p>
+            <a:pPr marL="0" marR="0" lvl="0" indent="0" algn="l" defTabSz="914400" rtl="0" eaLnBrk="1" fontAlgn="base" latinLnBrk="0" hangingPunct="1">
+              <a:lnSpc>
+                <a:spcPct val="100000"/>
+              </a:lnSpc>
+              <a:spcBef>
+                <a:spcPct val="0"/>
+              </a:spcBef>
+              <a:spcAft>
+                <a:spcPct val="0"/>
+              </a:spcAft>
+              <a:buClrTx/>
+              <a:buSzTx/>
+              <a:buFontTx/>
+              <a:buNone/>
+              <a:tabLst/>
+              <a:defRPr/>
+            </a:pPr>
+            <a:r>
+              <a:rPr kumimoji="0" lang="en-US" altLang="en-US" sz="1400" b="0" i="0" u="none" strike="noStrike" kern="1200" cap="none" spc="0" normalizeH="0" baseline="0" noProof="0" dirty="0">
+                <a:ln>
+                  <a:noFill/>
+                </a:ln>
+                <a:effectLst/>
+                <a:uLnTx/>
+                <a:uFillTx/>
+                <a:latin typeface="Courier New" panose="02070309020205020404" pitchFamily="49" charset="0"/>
+                <a:ea typeface="ＭＳ Ｐゴシック" panose="020B0600070205080204" pitchFamily="34" charset="-128"/>
+                <a:cs typeface="+mn-cs"/>
+              </a:rPr>
+              <a:t>  </a:t>
+            </a:r>
+            <a:r>
+              <a:rPr kumimoji="0" lang="en-US" altLang="en-US" sz="1400" b="1" i="0" u="none" strike="noStrike" kern="1200" cap="none" spc="0" normalizeH="0" baseline="0" noProof="0" dirty="0">
+                <a:ln>
+                  <a:noFill/>
+                </a:ln>
+                <a:effectLst/>
+                <a:uLnTx/>
+                <a:uFillTx/>
+                <a:latin typeface="Courier New" panose="02070309020205020404" pitchFamily="49" charset="0"/>
+                <a:ea typeface="ＭＳ Ｐゴシック" panose="020B0600070205080204" pitchFamily="34" charset="-128"/>
+                <a:cs typeface="+mn-cs"/>
+              </a:rPr>
+              <a:t>}</a:t>
+            </a:r>
+          </a:p>
+          <a:p>
+            <a:pPr marL="0" marR="0" lvl="0" indent="0" algn="l" defTabSz="914400" rtl="0" eaLnBrk="1" fontAlgn="base" latinLnBrk="0" hangingPunct="1">
+              <a:lnSpc>
+                <a:spcPct val="100000"/>
+              </a:lnSpc>
+              <a:spcBef>
+                <a:spcPct val="0"/>
+              </a:spcBef>
+              <a:spcAft>
+                <a:spcPct val="0"/>
+              </a:spcAft>
+              <a:buClrTx/>
+              <a:buSzTx/>
+              <a:buFontTx/>
+              <a:buNone/>
+              <a:tabLst/>
+              <a:defRPr/>
+            </a:pPr>
+            <a:r>
+              <a:rPr kumimoji="0" lang="en-US" altLang="en-US" sz="1400" b="0" i="0" u="none" strike="noStrike" kern="1200" cap="none" spc="0" normalizeH="0" baseline="0" noProof="0" dirty="0">
+                <a:ln>
+                  <a:noFill/>
+                </a:ln>
+                <a:effectLst/>
+                <a:uLnTx/>
+                <a:uFillTx/>
+                <a:latin typeface="Courier New" panose="02070309020205020404" pitchFamily="49" charset="0"/>
+                <a:ea typeface="ＭＳ Ｐゴシック" panose="020B0600070205080204" pitchFamily="34" charset="-128"/>
+                <a:cs typeface="+mn-cs"/>
+              </a:rPr>
+              <a:t> </a:t>
+            </a:r>
+          </a:p>
+          <a:p>
+            <a:pPr marL="0" marR="0" lvl="0" indent="0" algn="l" defTabSz="914400" rtl="0" eaLnBrk="1" fontAlgn="base" latinLnBrk="0" hangingPunct="1">
+              <a:lnSpc>
+                <a:spcPct val="100000"/>
+              </a:lnSpc>
+              <a:spcBef>
+                <a:spcPct val="0"/>
+              </a:spcBef>
+              <a:spcAft>
+                <a:spcPct val="0"/>
+              </a:spcAft>
+              <a:buClrTx/>
+              <a:buSzTx/>
+              <a:buFontTx/>
+              <a:buNone/>
+              <a:tabLst/>
+              <a:defRPr/>
+            </a:pPr>
+            <a:r>
+              <a:rPr kumimoji="0" lang="en-US" altLang="en-US" sz="1400" b="0" i="0" u="none" strike="noStrike" kern="1200" cap="none" spc="0" normalizeH="0" baseline="0" noProof="0" dirty="0">
+                <a:ln>
+                  <a:noFill/>
+                </a:ln>
+                <a:effectLst/>
+                <a:uLnTx/>
+                <a:uFillTx/>
+                <a:latin typeface="Courier New" panose="02070309020205020404" pitchFamily="49" charset="0"/>
+                <a:ea typeface="ＭＳ Ｐゴシック" panose="020B0600070205080204" pitchFamily="34" charset="-128"/>
+                <a:cs typeface="+mn-cs"/>
+              </a:rPr>
+              <a:t>  </a:t>
+            </a:r>
+            <a:r>
+              <a:rPr kumimoji="0" lang="en-US" altLang="en-US" sz="1400" b="1" i="0" u="none" strike="noStrike" kern="1200" cap="none" spc="0" normalizeH="0" baseline="0" noProof="0" dirty="0">
+                <a:ln>
+                  <a:noFill/>
+                </a:ln>
+                <a:effectLst/>
+                <a:uLnTx/>
+                <a:uFillTx/>
+                <a:latin typeface="Courier New" panose="02070309020205020404" pitchFamily="49" charset="0"/>
+                <a:ea typeface="ＭＳ Ｐゴシック" panose="020B0600070205080204" pitchFamily="34" charset="-128"/>
+                <a:cs typeface="+mn-cs"/>
+              </a:rPr>
+              <a:t>public </a:t>
+            </a:r>
+            <a:r>
+              <a:rPr kumimoji="0" lang="en-US" altLang="en-US" sz="1400" b="1" i="0" u="none" strike="noStrike" kern="1200" cap="none" spc="0" normalizeH="0" baseline="0" noProof="0" dirty="0" err="1">
+                <a:ln>
+                  <a:noFill/>
+                </a:ln>
+                <a:effectLst/>
+                <a:uLnTx/>
+                <a:uFillTx/>
+                <a:latin typeface="Courier New" panose="02070309020205020404" pitchFamily="49" charset="0"/>
+                <a:ea typeface="ＭＳ Ｐゴシック" panose="020B0600070205080204" pitchFamily="34" charset="-128"/>
+                <a:cs typeface="+mn-cs"/>
+              </a:rPr>
+              <a:t>boolean</a:t>
+            </a:r>
+            <a:r>
+              <a:rPr kumimoji="0" lang="en-US" altLang="en-US" sz="1400" b="0" i="0" u="none" strike="noStrike" kern="1200" cap="none" spc="0" normalizeH="0" baseline="0" noProof="0" dirty="0">
+                <a:ln>
+                  <a:noFill/>
+                </a:ln>
+                <a:effectLst/>
+                <a:uLnTx/>
+                <a:uFillTx/>
+                <a:latin typeface="Courier New" panose="02070309020205020404" pitchFamily="49" charset="0"/>
+                <a:ea typeface="ＭＳ Ｐゴシック" panose="020B0600070205080204" pitchFamily="34" charset="-128"/>
+                <a:cs typeface="+mn-cs"/>
+              </a:rPr>
+              <a:t> </a:t>
+            </a:r>
+            <a:r>
+              <a:rPr kumimoji="0" lang="en-US" altLang="en-US" sz="1400" b="0" i="0" u="none" strike="noStrike" kern="1200" cap="none" spc="0" normalizeH="0" baseline="0" noProof="0" dirty="0" err="1">
+                <a:ln>
+                  <a:noFill/>
+                </a:ln>
+                <a:effectLst/>
+                <a:uLnTx/>
+                <a:uFillTx/>
+                <a:latin typeface="Courier New" panose="02070309020205020404" pitchFamily="49" charset="0"/>
+                <a:ea typeface="ＭＳ Ｐゴシック" panose="020B0600070205080204" pitchFamily="34" charset="-128"/>
+                <a:cs typeface="+mn-cs"/>
+              </a:rPr>
+              <a:t>isDown</a:t>
+            </a:r>
+            <a:r>
+              <a:rPr kumimoji="0" lang="en-US" altLang="en-US" sz="1400" b="0" i="0" u="none" strike="noStrike" kern="1200" cap="none" spc="0" normalizeH="0" baseline="0" noProof="0" dirty="0">
+                <a:ln>
+                  <a:noFill/>
+                </a:ln>
+                <a:effectLst/>
+                <a:uLnTx/>
+                <a:uFillTx/>
+                <a:latin typeface="Courier New" panose="02070309020205020404" pitchFamily="49" charset="0"/>
+                <a:ea typeface="ＭＳ Ｐゴシック" panose="020B0600070205080204" pitchFamily="34" charset="-128"/>
+                <a:cs typeface="+mn-cs"/>
+              </a:rPr>
+              <a:t>() </a:t>
+            </a:r>
+            <a:r>
+              <a:rPr kumimoji="0" lang="en-US" altLang="en-US" sz="1400" b="1" i="0" u="none" strike="noStrike" kern="1200" cap="none" spc="0" normalizeH="0" baseline="0" noProof="0" dirty="0">
+                <a:ln>
+                  <a:noFill/>
+                </a:ln>
+                <a:effectLst/>
+                <a:uLnTx/>
+                <a:uFillTx/>
+                <a:latin typeface="Courier New" panose="02070309020205020404" pitchFamily="49" charset="0"/>
+                <a:ea typeface="ＭＳ Ｐゴシック" panose="020B0600070205080204" pitchFamily="34" charset="-128"/>
+                <a:cs typeface="+mn-cs"/>
+              </a:rPr>
+              <a:t>{</a:t>
+            </a:r>
+          </a:p>
+          <a:p>
+            <a:pPr marL="0" marR="0" lvl="0" indent="0" algn="l" defTabSz="914400" rtl="0" eaLnBrk="1" fontAlgn="base" latinLnBrk="0" hangingPunct="1">
+              <a:lnSpc>
+                <a:spcPct val="100000"/>
+              </a:lnSpc>
+              <a:spcBef>
+                <a:spcPct val="0"/>
+              </a:spcBef>
+              <a:spcAft>
+                <a:spcPct val="0"/>
+              </a:spcAft>
+              <a:buClrTx/>
+              <a:buSzTx/>
+              <a:buFontTx/>
+              <a:buNone/>
+              <a:tabLst/>
+              <a:defRPr/>
+            </a:pPr>
+            <a:r>
+              <a:rPr kumimoji="0" lang="en-US" altLang="en-US" sz="1400" b="0" i="0" u="none" strike="noStrike" kern="1200" cap="none" spc="0" normalizeH="0" baseline="0" noProof="0" dirty="0">
+                <a:ln>
+                  <a:noFill/>
+                </a:ln>
+                <a:effectLst/>
+                <a:uLnTx/>
+                <a:uFillTx/>
+                <a:latin typeface="Courier New" panose="02070309020205020404" pitchFamily="49" charset="0"/>
+                <a:ea typeface="ＭＳ Ｐゴシック" panose="020B0600070205080204" pitchFamily="34" charset="-128"/>
+                <a:cs typeface="+mn-cs"/>
+              </a:rPr>
+              <a:t>    </a:t>
+            </a:r>
+            <a:r>
+              <a:rPr kumimoji="0" lang="en-US" altLang="en-US" sz="1400" b="1" i="0" u="none" strike="noStrike" kern="1200" cap="none" spc="0" normalizeH="0" baseline="0" noProof="0" dirty="0">
+                <a:ln>
+                  <a:noFill/>
+                </a:ln>
+                <a:effectLst/>
+                <a:uLnTx/>
+                <a:uFillTx/>
+                <a:latin typeface="Courier New" panose="02070309020205020404" pitchFamily="49" charset="0"/>
+                <a:ea typeface="ＭＳ Ｐゴシック" panose="020B0600070205080204" pitchFamily="34" charset="-128"/>
+                <a:cs typeface="+mn-cs"/>
+              </a:rPr>
+              <a:t>return</a:t>
+            </a:r>
+            <a:r>
+              <a:rPr kumimoji="0" lang="en-US" altLang="en-US" sz="1400" b="0" i="0" u="none" strike="noStrike" kern="1200" cap="none" spc="0" normalizeH="0" baseline="0" noProof="0" dirty="0">
+                <a:ln>
+                  <a:noFill/>
+                </a:ln>
+                <a:effectLst/>
+                <a:uLnTx/>
+                <a:uFillTx/>
+                <a:latin typeface="Courier New" panose="02070309020205020404" pitchFamily="49" charset="0"/>
+                <a:ea typeface="ＭＳ Ｐゴシック" panose="020B0600070205080204" pitchFamily="34" charset="-128"/>
+                <a:cs typeface="+mn-cs"/>
+              </a:rPr>
+              <a:t> </a:t>
+            </a:r>
+            <a:r>
+              <a:rPr kumimoji="0" lang="en-US" altLang="en-US" sz="1400" b="0" i="0" u="none" strike="noStrike" kern="1200" cap="none" spc="0" normalizeH="0" baseline="0" noProof="0" dirty="0" err="1">
+                <a:ln>
+                  <a:noFill/>
+                </a:ln>
+                <a:effectLst/>
+                <a:uLnTx/>
+                <a:uFillTx/>
+                <a:latin typeface="Courier New" panose="02070309020205020404" pitchFamily="49" charset="0"/>
+                <a:ea typeface="ＭＳ Ｐゴシック" panose="020B0600070205080204" pitchFamily="34" charset="-128"/>
+                <a:cs typeface="+mn-cs"/>
+              </a:rPr>
+              <a:t>sem</a:t>
+            </a:r>
+            <a:r>
+              <a:rPr kumimoji="0" lang="en-US" altLang="en-US" sz="1400" b="0" i="0" u="none" strike="noStrike" kern="1200" cap="none" spc="0" normalizeH="0" baseline="0" noProof="0" dirty="0">
+                <a:ln>
+                  <a:noFill/>
+                </a:ln>
+                <a:effectLst/>
+                <a:uLnTx/>
+                <a:uFillTx/>
+                <a:latin typeface="Courier New" panose="02070309020205020404" pitchFamily="49" charset="0"/>
+                <a:ea typeface="ＭＳ Ｐゴシック" panose="020B0600070205080204" pitchFamily="34" charset="-128"/>
+                <a:cs typeface="+mn-cs"/>
+              </a:rPr>
+              <a:t> == 0;</a:t>
+            </a:r>
+          </a:p>
+          <a:p>
+            <a:pPr marL="0" marR="0" lvl="0" indent="0" algn="l" defTabSz="914400" rtl="0" eaLnBrk="1" fontAlgn="base" latinLnBrk="0" hangingPunct="1">
+              <a:lnSpc>
+                <a:spcPct val="100000"/>
+              </a:lnSpc>
+              <a:spcBef>
+                <a:spcPct val="0"/>
+              </a:spcBef>
+              <a:spcAft>
+                <a:spcPct val="0"/>
+              </a:spcAft>
+              <a:buClrTx/>
+              <a:buSzTx/>
+              <a:buFontTx/>
+              <a:buNone/>
+              <a:tabLst/>
+              <a:defRPr/>
+            </a:pPr>
+            <a:r>
+              <a:rPr kumimoji="0" lang="en-US" altLang="en-US" sz="1400" b="0" i="0" u="none" strike="noStrike" kern="1200" cap="none" spc="0" normalizeH="0" baseline="0" noProof="0" dirty="0">
+                <a:ln>
+                  <a:noFill/>
+                </a:ln>
+                <a:effectLst/>
+                <a:uLnTx/>
+                <a:uFillTx/>
+                <a:latin typeface="Courier New" panose="02070309020205020404" pitchFamily="49" charset="0"/>
+                <a:ea typeface="ＭＳ Ｐゴシック" panose="020B0600070205080204" pitchFamily="34" charset="-128"/>
+                <a:cs typeface="+mn-cs"/>
+              </a:rPr>
+              <a:t>  </a:t>
+            </a:r>
+            <a:r>
+              <a:rPr kumimoji="0" lang="en-US" altLang="en-US" sz="1400" b="1" i="0" u="none" strike="noStrike" kern="1200" cap="none" spc="0" normalizeH="0" baseline="0" noProof="0" dirty="0">
+                <a:ln>
+                  <a:noFill/>
+                </a:ln>
+                <a:effectLst/>
+                <a:uLnTx/>
+                <a:uFillTx/>
+                <a:latin typeface="Courier New" panose="02070309020205020404" pitchFamily="49" charset="0"/>
+                <a:ea typeface="ＭＳ Ｐゴシック" panose="020B0600070205080204" pitchFamily="34" charset="-128"/>
+                <a:cs typeface="+mn-cs"/>
+              </a:rPr>
+              <a:t>}</a:t>
+            </a:r>
+          </a:p>
+          <a:p>
+            <a:pPr marL="0" marR="0" lvl="0" indent="0" algn="l" defTabSz="914400" rtl="0" eaLnBrk="1" fontAlgn="base" latinLnBrk="0" hangingPunct="1">
+              <a:lnSpc>
+                <a:spcPct val="100000"/>
+              </a:lnSpc>
+              <a:spcBef>
+                <a:spcPct val="0"/>
+              </a:spcBef>
+              <a:spcAft>
+                <a:spcPct val="0"/>
+              </a:spcAft>
+              <a:buClrTx/>
+              <a:buSzTx/>
+              <a:buFontTx/>
+              <a:buNone/>
+              <a:tabLst/>
+              <a:defRPr/>
+            </a:pPr>
+            <a:endParaRPr kumimoji="0" lang="en-US" altLang="en-US" sz="1400" b="0" i="0" u="none" strike="noStrike" kern="1200" cap="none" spc="0" normalizeH="0" baseline="0" noProof="0" dirty="0">
+              <a:ln>
+                <a:noFill/>
+              </a:ln>
+              <a:effectLst/>
+              <a:uLnTx/>
+              <a:uFillTx/>
+              <a:latin typeface="Courier New" panose="02070309020205020404" pitchFamily="49" charset="0"/>
+              <a:ea typeface="ＭＳ Ｐゴシック" panose="020B0600070205080204" pitchFamily="34" charset="-128"/>
+              <a:cs typeface="+mn-cs"/>
+            </a:endParaRPr>
+          </a:p>
+          <a:p>
+            <a:pPr marL="0" marR="0" lvl="0" indent="0" algn="l" defTabSz="914400" rtl="0" eaLnBrk="1" fontAlgn="base" latinLnBrk="0" hangingPunct="1">
+              <a:lnSpc>
+                <a:spcPct val="100000"/>
+              </a:lnSpc>
+              <a:spcBef>
+                <a:spcPct val="0"/>
+              </a:spcBef>
+              <a:spcAft>
+                <a:spcPct val="0"/>
+              </a:spcAft>
+              <a:buClrTx/>
+              <a:buSzTx/>
+              <a:buFontTx/>
+              <a:buNone/>
+              <a:tabLst/>
+              <a:defRPr/>
+            </a:pPr>
+            <a:r>
+              <a:rPr kumimoji="0" lang="en-US" altLang="en-US" sz="1400" b="1" i="0" u="none" strike="noStrike" kern="1200" cap="none" spc="0" normalizeH="0" baseline="0" noProof="0" dirty="0">
+                <a:ln>
+                  <a:noFill/>
+                </a:ln>
+                <a:effectLst/>
+                <a:uLnTx/>
+                <a:uFillTx/>
+                <a:latin typeface="Courier New" panose="02070309020205020404" pitchFamily="49" charset="0"/>
+                <a:ea typeface="ＭＳ Ｐゴシック" panose="020B0600070205080204" pitchFamily="34" charset="-128"/>
+                <a:cs typeface="+mn-cs"/>
+              </a:rPr>
+              <a:t>}</a:t>
+            </a:r>
+          </a:p>
+          <a:p>
+            <a:pPr marL="0" marR="0" lvl="0" indent="0" algn="l" defTabSz="914400" rtl="0" eaLnBrk="1" fontAlgn="base" latinLnBrk="0" hangingPunct="1">
+              <a:lnSpc>
+                <a:spcPct val="100000"/>
+              </a:lnSpc>
+              <a:spcBef>
+                <a:spcPct val="0"/>
+              </a:spcBef>
+              <a:spcAft>
+                <a:spcPct val="0"/>
+              </a:spcAft>
+              <a:buClrTx/>
+              <a:buSzTx/>
+              <a:buFontTx/>
+              <a:buNone/>
+              <a:tabLst/>
+              <a:defRPr/>
+            </a:pPr>
+            <a:endParaRPr kumimoji="0" lang="en-US" altLang="en-US" sz="1400" b="0" i="0" u="none" strike="noStrike" kern="1200" cap="none" spc="0" normalizeH="0" baseline="0" noProof="0" dirty="0">
+              <a:ln>
+                <a:noFill/>
+              </a:ln>
+              <a:effectLst/>
+              <a:uLnTx/>
+              <a:uFillTx/>
+              <a:latin typeface="Courier New" panose="02070309020205020404" pitchFamily="49" charset="0"/>
+              <a:ea typeface="ＭＳ Ｐゴシック" panose="020B0600070205080204" pitchFamily="34" charset="-128"/>
+              <a:cs typeface="+mn-cs"/>
+            </a:endParaRPr>
+          </a:p>
+        </p:txBody>
+      </p:sp>
+    </p:spTree>
+    <p:extLst>
+      <p:ext uri="{BB962C8B-B14F-4D97-AF65-F5344CB8AC3E}">
+        <p14:creationId xmlns:p14="http://schemas.microsoft.com/office/powerpoint/2010/main" xmlns="" val="3642369649"/>
+      </p:ext>
+    </p:extLst>
+  </p:cSld>
+  <p:clrMapOvr>
+    <a:masterClrMapping/>
+  </p:clrMapOvr>
+</p:sld>
+</file>
+
+<file path=ppt/slides/slide7.xml><?xml version="1.0" encoding="utf-8"?>
+<p:sld xmlns:a="http://schemas.openxmlformats.org/drawingml/2006/main" xmlns:r="http://schemas.openxmlformats.org/officeDocument/2006/relationships" xmlns:p="http://schemas.openxmlformats.org/presentationml/2006/main">
+  <p:cSld>
+    <p:spTree>
+      <p:nvGrpSpPr>
+        <p:cNvPr id="1" name=""/>
+        <p:cNvGrpSpPr/>
+        <p:nvPr/>
+      </p:nvGrpSpPr>
+      <p:grpSpPr>
+        <a:xfrm>
+          <a:off x="0" y="0"/>
+          <a:ext cx="0" cy="0"/>
+          <a:chOff x="0" y="0"/>
+          <a:chExt cx="0" cy="0"/>
+        </a:xfrm>
+      </p:grpSpPr>
+      <p:sp>
+        <p:nvSpPr>
+          <p:cNvPr id="2" name="Title 1"/>
+          <p:cNvSpPr>
+            <a:spLocks noGrp="1"/>
+          </p:cNvSpPr>
+          <p:nvPr>
+            <p:ph type="title"/>
+          </p:nvPr>
+        </p:nvSpPr>
+        <p:spPr/>
+        <p:txBody>
+          <a:bodyPr/>
+          <a:lstStyle/>
+          <a:p>
+            <a:r>
+              <a:rPr lang="en-US" altLang="en-US" dirty="0"/>
+              <a:t>Semaphores</a:t>
+            </a:r>
+            <a:endParaRPr lang="en-US" dirty="0"/>
+          </a:p>
+        </p:txBody>
+      </p:sp>
+      <p:sp>
+        <p:nvSpPr>
+          <p:cNvPr id="10" name="Footer Placeholder 9"/>
+          <p:cNvSpPr>
+            <a:spLocks noGrp="1"/>
+          </p:cNvSpPr>
+          <p:nvPr>
+            <p:ph type="ftr" sz="quarter" idx="3"/>
+          </p:nvPr>
+        </p:nvSpPr>
+        <p:spPr/>
+        <p:txBody>
+          <a:bodyPr/>
+          <a:lstStyle/>
+          <a:p>
+            <a:r>
+              <a:rPr lang="en-CA" dirty="0"/>
+              <a:t>CS321: Advanced Programming Techniques</a:t>
+            </a:r>
+          </a:p>
+        </p:txBody>
+      </p:sp>
+      <p:sp>
+        <p:nvSpPr>
+          <p:cNvPr id="12" name="Slide Number Placeholder 11"/>
+          <p:cNvSpPr>
+            <a:spLocks noGrp="1"/>
+          </p:cNvSpPr>
+          <p:nvPr>
+            <p:ph type="sldNum" sz="quarter" idx="4"/>
+          </p:nvPr>
+        </p:nvSpPr>
+        <p:spPr/>
+        <p:txBody>
+          <a:bodyPr/>
+          <a:lstStyle/>
+          <a:p>
+            <a:fld id="{5174927E-2439-42C0-9720-7BBCA09BF46F}" type="slidenum">
+              <a:rPr lang="en-CA" smtClean="0"/>
+              <a:pPr/>
+              <a:t>7</a:t>
+            </a:fld>
+            <a:r>
+              <a:rPr lang="en-CA" dirty="0"/>
+              <a:t> </a:t>
+            </a:r>
+          </a:p>
+        </p:txBody>
+      </p:sp>
+      <p:sp>
+        <p:nvSpPr>
+          <p:cNvPr id="4" name="Content Placeholder 3">
+            <a:extLst>
+              <a:ext uri="{FF2B5EF4-FFF2-40B4-BE49-F238E27FC236}">
+                <a16:creationId xmlns:a16="http://schemas.microsoft.com/office/drawing/2014/main" xmlns="" id="{6D58AF24-6D41-4D72-AA4C-29F6B807A3E2}"/>
+              </a:ext>
+            </a:extLst>
+          </p:cNvPr>
+          <p:cNvSpPr>
+            <a:spLocks noGrp="1"/>
+          </p:cNvSpPr>
+          <p:nvPr>
+            <p:ph idx="1"/>
+          </p:nvPr>
+        </p:nvSpPr>
+        <p:spPr>
+          <a:xfrm>
+            <a:off x="640874" y="1168400"/>
+            <a:ext cx="10515600" cy="5073779"/>
+          </a:xfrm>
+        </p:spPr>
+        <p:txBody>
+          <a:bodyPr>
+            <a:normAutofit/>
+          </a:bodyPr>
+          <a:lstStyle/>
+          <a:p>
+            <a:pPr>
+              <a:lnSpc>
+                <a:spcPct val="90000"/>
+              </a:lnSpc>
+            </a:pPr>
+            <a:r>
+              <a:rPr lang="en-US" altLang="en-US" sz="2400" dirty="0"/>
+              <a:t>When the semaphore is equal to 0, we say that is has no permits/contracts available.</a:t>
+            </a:r>
+          </a:p>
+          <a:p>
+            <a:pPr>
+              <a:lnSpc>
+                <a:spcPct val="90000"/>
+              </a:lnSpc>
+            </a:pPr>
+            <a:endParaRPr lang="en-US" altLang="en-US" sz="2400" dirty="0"/>
+          </a:p>
+          <a:p>
+            <a:pPr>
+              <a:lnSpc>
+                <a:spcPct val="90000"/>
+              </a:lnSpc>
+            </a:pPr>
+            <a:r>
+              <a:rPr lang="en-US" altLang="en-US" sz="2400" dirty="0"/>
+              <a:t>When the semaphore is greater than 0, we say that it has X </a:t>
+            </a:r>
+            <a:r>
+              <a:rPr lang="en-US" altLang="en-US" sz="2400" dirty="0" err="1"/>
+              <a:t>permtis</a:t>
+            </a:r>
+            <a:r>
+              <a:rPr lang="en-US" altLang="en-US" sz="2400" dirty="0"/>
+              <a:t>/contracts available.</a:t>
+            </a:r>
+          </a:p>
+          <a:p>
+            <a:pPr lvl="1"/>
+            <a:r>
+              <a:rPr lang="en-US" altLang="en-US" sz="2000" dirty="0"/>
+              <a:t>This means we can let X threads acquire a single lock. It won’t be unlocked until all threads are complete (or release the locks they acquired).</a:t>
+            </a:r>
+          </a:p>
+          <a:p>
+            <a:pPr marL="0" indent="0">
+              <a:lnSpc>
+                <a:spcPct val="90000"/>
+              </a:lnSpc>
+              <a:buNone/>
+            </a:pPr>
+            <a:endParaRPr lang="en-US" altLang="en-US" sz="2400" dirty="0"/>
+          </a:p>
+        </p:txBody>
+      </p:sp>
+    </p:spTree>
+    <p:extLst>
+      <p:ext uri="{BB962C8B-B14F-4D97-AF65-F5344CB8AC3E}">
+        <p14:creationId xmlns:p14="http://schemas.microsoft.com/office/powerpoint/2010/main" xmlns="" val="1752993671"/>
       </p:ext>
     </p:extLst>
   </p:cSld>
@@ -6506,7 +8221,7 @@
     </a:clrScheme>
     <a:fontScheme name="Office">
       <a:majorFont>
-        <a:latin typeface="Calibri Light" panose="020F0302020204030204"/>
+        <a:latin typeface="Calibri Light"/>
         <a:ea typeface=""/>
         <a:cs typeface=""/>
         <a:font script="Jpan" typeface="游ゴシック Light"/>
@@ -6558,7 +8273,7 @@
         <a:font script="Tfng" typeface="Ebrima"/>
       </a:majorFont>
       <a:minorFont>
-        <a:latin typeface="Calibri" panose="020F0502020204030204"/>
+        <a:latin typeface="Calibri"/>
         <a:ea typeface=""/>
         <a:cs typeface=""/>
         <a:font script="Jpan" typeface="游ゴシック"/>
@@ -6752,7 +8467,7 @@
   <a:extraClrSchemeLst/>
   <a:extLst>
     <a:ext uri="{05A4C25C-085E-4340-85A3-A5531E510DB2}">
-      <thm15:themeFamily xmlns:thm15="http://schemas.microsoft.com/office/thememl/2012/main" name="eye_tracker_presentation" id="{00ED1D97-A04B-46A0-BB71-88655A6B057F}" vid="{F36189FA-3966-4852-951E-5734674D1C7B}"/>
+      <thm15:themeFamily xmlns:thm15="http://schemas.microsoft.com/office/thememl/2012/main" xmlns="" name="eye_tracker_presentation" id="{00ED1D97-A04B-46A0-BB71-88655A6B057F}" vid="{F36189FA-3966-4852-951E-5734674D1C7B}"/>
     </a:ext>
   </a:extLst>
 </a:theme>
@@ -6801,7 +8516,7 @@
     </a:clrScheme>
     <a:fontScheme name="Office">
       <a:majorFont>
-        <a:latin typeface="Calibri Light" panose="020F0302020204030204"/>
+        <a:latin typeface="Calibri Light"/>
         <a:ea typeface=""/>
         <a:cs typeface=""/>
         <a:font script="Jpan" typeface="游ゴシック Light"/>
@@ -6853,7 +8568,7 @@
         <a:font script="Tfng" typeface="Ebrima"/>
       </a:majorFont>
       <a:minorFont>
-        <a:latin typeface="Calibri" panose="020F0502020204030204"/>
+        <a:latin typeface="Calibri"/>
         <a:ea typeface=""/>
         <a:cs typeface=""/>
         <a:font script="Jpan" typeface="游ゴシック"/>
@@ -7047,7 +8762,7 @@
   <a:extraClrSchemeLst/>
   <a:extLst>
     <a:ext uri="{05A4C25C-085E-4340-85A3-A5531E510DB2}">
-      <thm15:themeFamily xmlns:thm15="http://schemas.microsoft.com/office/thememl/2012/main" name="Office Theme" id="{62F939B6-93AF-4DB8-9C6B-D6C7DFDC589F}" vid="{4A3C46E8-61CC-4603-A589-7422A47A8E4A}"/>
+      <thm15:themeFamily xmlns:thm15="http://schemas.microsoft.com/office/thememl/2012/main" xmlns="" name="Office Theme" id="{62F939B6-93AF-4DB8-9C6B-D6C7DFDC589F}" vid="{4A3C46E8-61CC-4603-A589-7422A47A8E4A}"/>
     </a:ext>
   </a:extLst>
 </a:theme>

--- a/bishops/cs321/resources/CS321_Lecture_17B.pptx
+++ b/bishops/cs321/resources/CS321_Lecture_17B.pptx
@@ -115,7 +115,7 @@
   </p:defaultTextStyle>
   <p:extLst>
     <p:ext uri="{EFAFB233-063F-42B5-8137-9DF3F51BA10A}">
-      <p15:sldGuideLst xmlns:p15="http://schemas.microsoft.com/office/powerpoint/2012/main" xmlns=""/>
+      <p15:sldGuideLst xmlns="" xmlns:p15="http://schemas.microsoft.com/office/powerpoint/2012/main"/>
     </p:ext>
   </p:extLst>
 </p:presentation>
@@ -126,7 +126,7 @@
   <p:cmAuthor id="1" name="Gregory" initials="G" lastIdx="1" clrIdx="0">
     <p:extLst>
       <p:ext uri="{19B8F6BF-5375-455C-9EA6-DF929625EA0E}">
-        <p15:presenceInfo xmlns:p15="http://schemas.microsoft.com/office/powerpoint/2012/main" xmlns="" userId="Gregory" providerId="None"/>
+        <p15:presenceInfo xmlns="" xmlns:p15="http://schemas.microsoft.com/office/powerpoint/2012/main" userId="Gregory" providerId="None"/>
       </p:ext>
     </p:extLst>
   </p:cmAuthor>
@@ -216,7 +216,7 @@
             <a:fld id="{A6583E9D-07AB-4C6D-BFD0-47E805C6B3D4}" type="datetimeFigureOut">
               <a:rPr lang="en-CA" smtClean="0"/>
               <a:pPr/>
-              <a:t>2024-03-08</a:t>
+              <a:t>2024-03-24</a:t>
             </a:fld>
             <a:endParaRPr lang="en-CA"/>
           </a:p>
@@ -385,7 +385,7 @@
     </p:spTree>
     <p:extLst>
       <p:ext uri="{BB962C8B-B14F-4D97-AF65-F5344CB8AC3E}">
-        <p14:creationId xmlns:p14="http://schemas.microsoft.com/office/powerpoint/2010/main" xmlns="" val="4237529172"/>
+        <p14:creationId xmlns="" xmlns:p14="http://schemas.microsoft.com/office/powerpoint/2010/main" val="4237529172"/>
       </p:ext>
     </p:extLst>
   </p:cSld>
@@ -560,7 +560,7 @@
     </p:spTree>
     <p:extLst>
       <p:ext uri="{BB962C8B-B14F-4D97-AF65-F5344CB8AC3E}">
-        <p14:creationId xmlns:p14="http://schemas.microsoft.com/office/powerpoint/2010/main" xmlns="" val="2340334442"/>
+        <p14:creationId xmlns="" xmlns:p14="http://schemas.microsoft.com/office/powerpoint/2010/main" val="2340334442"/>
       </p:ext>
     </p:extLst>
   </p:cSld>
@@ -764,7 +764,7 @@
     </p:spTree>
     <p:extLst>
       <p:ext uri="{BB962C8B-B14F-4D97-AF65-F5344CB8AC3E}">
-        <p14:creationId xmlns:p14="http://schemas.microsoft.com/office/powerpoint/2010/main" xmlns="" val="1900560834"/>
+        <p14:creationId xmlns="" xmlns:p14="http://schemas.microsoft.com/office/powerpoint/2010/main" val="1900560834"/>
       </p:ext>
     </p:extLst>
   </p:cSld>
@@ -938,7 +938,7 @@
     </p:spTree>
     <p:extLst>
       <p:ext uri="{BB962C8B-B14F-4D97-AF65-F5344CB8AC3E}">
-        <p14:creationId xmlns:p14="http://schemas.microsoft.com/office/powerpoint/2010/main" xmlns="" val="3722958745"/>
+        <p14:creationId xmlns="" xmlns:p14="http://schemas.microsoft.com/office/powerpoint/2010/main" val="3722958745"/>
       </p:ext>
     </p:extLst>
   </p:cSld>
@@ -1174,7 +1174,7 @@
     </p:spTree>
     <p:extLst>
       <p:ext uri="{BB962C8B-B14F-4D97-AF65-F5344CB8AC3E}">
-        <p14:creationId xmlns:p14="http://schemas.microsoft.com/office/powerpoint/2010/main" xmlns="" val="1822376042"/>
+        <p14:creationId xmlns="" xmlns:p14="http://schemas.microsoft.com/office/powerpoint/2010/main" val="1822376042"/>
       </p:ext>
     </p:extLst>
   </p:cSld>
@@ -1424,7 +1424,7 @@
     </p:spTree>
     <p:extLst>
       <p:ext uri="{BB962C8B-B14F-4D97-AF65-F5344CB8AC3E}">
-        <p14:creationId xmlns:p14="http://schemas.microsoft.com/office/powerpoint/2010/main" xmlns="" val="3411672561"/>
+        <p14:creationId xmlns="" xmlns:p14="http://schemas.microsoft.com/office/powerpoint/2010/main" val="3411672561"/>
       </p:ext>
     </p:extLst>
   </p:cSld>
@@ -1660,7 +1660,7 @@
     </p:spTree>
     <p:extLst>
       <p:ext uri="{BB962C8B-B14F-4D97-AF65-F5344CB8AC3E}">
-        <p14:creationId xmlns:p14="http://schemas.microsoft.com/office/powerpoint/2010/main" xmlns="" val="1093008526"/>
+        <p14:creationId xmlns="" xmlns:p14="http://schemas.microsoft.com/office/powerpoint/2010/main" val="1093008526"/>
       </p:ext>
     </p:extLst>
   </p:cSld>
@@ -2031,7 +2031,7 @@
     </p:spTree>
     <p:extLst>
       <p:ext uri="{BB962C8B-B14F-4D97-AF65-F5344CB8AC3E}">
-        <p14:creationId xmlns:p14="http://schemas.microsoft.com/office/powerpoint/2010/main" xmlns="" val="1087924878"/>
+        <p14:creationId xmlns="" xmlns:p14="http://schemas.microsoft.com/office/powerpoint/2010/main" val="1087924878"/>
       </p:ext>
     </p:extLst>
   </p:cSld>
@@ -2153,7 +2153,7 @@
     </p:spTree>
     <p:extLst>
       <p:ext uri="{BB962C8B-B14F-4D97-AF65-F5344CB8AC3E}">
-        <p14:creationId xmlns:p14="http://schemas.microsoft.com/office/powerpoint/2010/main" xmlns="" val="3802387408"/>
+        <p14:creationId xmlns="" xmlns:p14="http://schemas.microsoft.com/office/powerpoint/2010/main" val="3802387408"/>
       </p:ext>
     </p:extLst>
   </p:cSld>
@@ -2252,7 +2252,7 @@
     </p:spTree>
     <p:extLst>
       <p:ext uri="{BB962C8B-B14F-4D97-AF65-F5344CB8AC3E}">
-        <p14:creationId xmlns:p14="http://schemas.microsoft.com/office/powerpoint/2010/main" xmlns="" val="4234091411"/>
+        <p14:creationId xmlns="" xmlns:p14="http://schemas.microsoft.com/office/powerpoint/2010/main" val="4234091411"/>
       </p:ext>
     </p:extLst>
   </p:cSld>
@@ -2533,7 +2533,7 @@
     </p:spTree>
     <p:extLst>
       <p:ext uri="{BB962C8B-B14F-4D97-AF65-F5344CB8AC3E}">
-        <p14:creationId xmlns:p14="http://schemas.microsoft.com/office/powerpoint/2010/main" xmlns="" val="4189422420"/>
+        <p14:creationId xmlns="" xmlns:p14="http://schemas.microsoft.com/office/powerpoint/2010/main" val="4189422420"/>
       </p:ext>
     </p:extLst>
   </p:cSld>
@@ -2790,7 +2790,7 @@
     </p:spTree>
     <p:extLst>
       <p:ext uri="{BB962C8B-B14F-4D97-AF65-F5344CB8AC3E}">
-        <p14:creationId xmlns:p14="http://schemas.microsoft.com/office/powerpoint/2010/main" xmlns="" val="3252977898"/>
+        <p14:creationId xmlns="" xmlns:p14="http://schemas.microsoft.com/office/powerpoint/2010/main" val="3252977898"/>
       </p:ext>
     </p:extLst>
   </p:cSld>
@@ -3059,7 +3059,7 @@
           <a:blip r:embed="rId13" cstate="print">
             <a:extLst>
               <a:ext uri="{28A0092B-C50C-407E-A947-70E740481C1C}">
-                <a14:useLocalDpi xmlns:a14="http://schemas.microsoft.com/office/drawing/2010/main" xmlns="" val="0"/>
+                <a14:useLocalDpi xmlns="" xmlns:a14="http://schemas.microsoft.com/office/drawing/2010/main" val="0"/>
               </a:ext>
             </a:extLst>
           </a:blip>
@@ -3080,7 +3080,7 @@
     </p:spTree>
     <p:extLst>
       <p:ext uri="{BB962C8B-B14F-4D97-AF65-F5344CB8AC3E}">
-        <p14:creationId xmlns:p14="http://schemas.microsoft.com/office/powerpoint/2010/main" xmlns="" val="4230061028"/>
+        <p14:creationId xmlns="" xmlns:p14="http://schemas.microsoft.com/office/powerpoint/2010/main" val="4230061028"/>
       </p:ext>
     </p:extLst>
   </p:cSld>
@@ -3523,7 +3523,7 @@
           <p:cNvPr id="13" name="Picture 8" descr="http://osiris.ubishops.ca/~alussier/images/transparentlogo_bu.png">
             <a:extLst>
               <a:ext uri="{FF2B5EF4-FFF2-40B4-BE49-F238E27FC236}">
-                <a16:creationId xmlns:a16="http://schemas.microsoft.com/office/drawing/2014/main" xmlns="" id="{CCB9A035-2F1C-4B96-A5DB-70B72D6E4AD8}"/>
+                <a16:creationId xmlns="" xmlns:a16="http://schemas.microsoft.com/office/drawing/2014/main" id="{CCB9A035-2F1C-4B96-A5DB-70B72D6E4AD8}"/>
               </a:ext>
             </a:extLst>
           </p:cNvPr>
@@ -3536,7 +3536,7 @@
           <a:blip r:embed="rId3" cstate="print">
             <a:extLst>
               <a:ext uri="{28A0092B-C50C-407E-A947-70E740481C1C}">
-                <a14:useLocalDpi xmlns:a14="http://schemas.microsoft.com/office/drawing/2010/main" xmlns="" val="0"/>
+                <a14:useLocalDpi xmlns="" xmlns:a14="http://schemas.microsoft.com/office/drawing/2010/main" val="0"/>
               </a:ext>
             </a:extLst>
           </a:blip>
@@ -3556,7 +3556,7 @@
           <a:noFill/>
           <a:extLst>
             <a:ext uri="{909E8E84-426E-40DD-AFC4-6F175D3DCCD1}">
-              <a14:hiddenFill xmlns:a14="http://schemas.microsoft.com/office/drawing/2010/main" xmlns="">
+              <a14:hiddenFill xmlns="" xmlns:a14="http://schemas.microsoft.com/office/drawing/2010/main">
                 <a:solidFill>
                   <a:srgbClr val="FFFFFF"/>
                 </a:solidFill>
@@ -3568,7 +3568,7 @@
     </p:spTree>
     <p:extLst>
       <p:ext uri="{BB962C8B-B14F-4D97-AF65-F5344CB8AC3E}">
-        <p14:creationId xmlns:p14="http://schemas.microsoft.com/office/powerpoint/2010/main" xmlns="" val="4177077622"/>
+        <p14:creationId xmlns="" xmlns:p14="http://schemas.microsoft.com/office/powerpoint/2010/main" val="4177077622"/>
       </p:ext>
     </p:extLst>
   </p:cSld>
@@ -3672,7 +3672,7 @@
           <p:cNvPr id="4" name="Content Placeholder 3">
             <a:extLst>
               <a:ext uri="{FF2B5EF4-FFF2-40B4-BE49-F238E27FC236}">
-                <a16:creationId xmlns:a16="http://schemas.microsoft.com/office/drawing/2014/main" xmlns="" id="{6D58AF24-6D41-4D72-AA4C-29F6B807A3E2}"/>
+                <a16:creationId xmlns="" xmlns:a16="http://schemas.microsoft.com/office/drawing/2014/main" id="{6D58AF24-6D41-4D72-AA4C-29F6B807A3E2}"/>
               </a:ext>
             </a:extLst>
           </p:cNvPr>
@@ -3708,7 +3708,7 @@
           <p:cNvPr id="7" name="Picture 4" descr="Semaphtype.gif">
             <a:extLst>
               <a:ext uri="{FF2B5EF4-FFF2-40B4-BE49-F238E27FC236}">
-                <a16:creationId xmlns:a16="http://schemas.microsoft.com/office/drawing/2014/main" xmlns="" id="{807365D7-3A6C-4F12-BDA2-3D798F29D718}"/>
+                <a16:creationId xmlns="" xmlns:a16="http://schemas.microsoft.com/office/drawing/2014/main" id="{807365D7-3A6C-4F12-BDA2-3D798F29D718}"/>
               </a:ext>
             </a:extLst>
           </p:cNvPr>
@@ -3721,7 +3721,7 @@
           <a:blip r:embed="rId2">
             <a:extLst>
               <a:ext uri="{28A0092B-C50C-407E-A947-70E740481C1C}">
-                <a14:useLocalDpi xmlns:a14="http://schemas.microsoft.com/office/drawing/2010/main" xmlns="" val="0"/>
+                <a14:useLocalDpi xmlns="" xmlns:a14="http://schemas.microsoft.com/office/drawing/2010/main" val="0"/>
               </a:ext>
             </a:extLst>
           </a:blip>
@@ -3744,14 +3744,14 @@
           </a:ln>
           <a:extLst>
             <a:ext uri="{909E8E84-426E-40DD-AFC4-6F175D3DCCD1}">
-              <a14:hiddenFill xmlns:a14="http://schemas.microsoft.com/office/drawing/2010/main" xmlns="">
+              <a14:hiddenFill xmlns="" xmlns:a14="http://schemas.microsoft.com/office/drawing/2010/main">
                 <a:solidFill>
                   <a:srgbClr val="FFFFFF"/>
                 </a:solidFill>
               </a14:hiddenFill>
             </a:ext>
             <a:ext uri="{91240B29-F687-4F45-9708-019B960494DF}">
-              <a14:hiddenLine xmlns:a14="http://schemas.microsoft.com/office/drawing/2010/main" xmlns="" w="9525">
+              <a14:hiddenLine xmlns="" xmlns:a14="http://schemas.microsoft.com/office/drawing/2010/main" w="9525">
                 <a:solidFill>
                   <a:srgbClr val="000000"/>
                 </a:solidFill>
@@ -3768,7 +3768,7 @@
           <p:cNvPr id="9" name="TextBox 8">
             <a:extLst>
               <a:ext uri="{FF2B5EF4-FFF2-40B4-BE49-F238E27FC236}">
-                <a16:creationId xmlns:a16="http://schemas.microsoft.com/office/drawing/2014/main" xmlns="" id="{ACA50819-1CF8-49DF-9907-141818CA9FD7}"/>
+                <a16:creationId xmlns="" xmlns:a16="http://schemas.microsoft.com/office/drawing/2014/main" id="{ACA50819-1CF8-49DF-9907-141818CA9FD7}"/>
               </a:ext>
             </a:extLst>
           </p:cNvPr>
@@ -3802,7 +3802,7 @@
     </p:spTree>
     <p:extLst>
       <p:ext uri="{BB962C8B-B14F-4D97-AF65-F5344CB8AC3E}">
-        <p14:creationId xmlns:p14="http://schemas.microsoft.com/office/powerpoint/2010/main" xmlns="" val="1563300936"/>
+        <p14:creationId xmlns="" xmlns:p14="http://schemas.microsoft.com/office/powerpoint/2010/main" val="1563300936"/>
       </p:ext>
     </p:extLst>
   </p:cSld>
@@ -3906,7 +3906,7 @@
           <p:cNvPr id="4" name="Content Placeholder 3">
             <a:extLst>
               <a:ext uri="{FF2B5EF4-FFF2-40B4-BE49-F238E27FC236}">
-                <a16:creationId xmlns:a16="http://schemas.microsoft.com/office/drawing/2014/main" xmlns="" id="{6D58AF24-6D41-4D72-AA4C-29F6B807A3E2}"/>
+                <a16:creationId xmlns="" xmlns:a16="http://schemas.microsoft.com/office/drawing/2014/main" id="{6D58AF24-6D41-4D72-AA4C-29F6B807A3E2}"/>
               </a:ext>
             </a:extLst>
           </p:cNvPr>
@@ -4083,7 +4083,7 @@
     </p:spTree>
     <p:extLst>
       <p:ext uri="{BB962C8B-B14F-4D97-AF65-F5344CB8AC3E}">
-        <p14:creationId xmlns:p14="http://schemas.microsoft.com/office/powerpoint/2010/main" xmlns="" val="2097782105"/>
+        <p14:creationId xmlns="" xmlns:p14="http://schemas.microsoft.com/office/powerpoint/2010/main" val="2097782105"/>
       </p:ext>
     </p:extLst>
   </p:cSld>
@@ -4187,7 +4187,7 @@
           <p:cNvPr id="4" name="Content Placeholder 3">
             <a:extLst>
               <a:ext uri="{FF2B5EF4-FFF2-40B4-BE49-F238E27FC236}">
-                <a16:creationId xmlns:a16="http://schemas.microsoft.com/office/drawing/2014/main" xmlns="" id="{6D58AF24-6D41-4D72-AA4C-29F6B807A3E2}"/>
+                <a16:creationId xmlns="" xmlns:a16="http://schemas.microsoft.com/office/drawing/2014/main" id="{6D58AF24-6D41-4D72-AA4C-29F6B807A3E2}"/>
               </a:ext>
             </a:extLst>
           </p:cNvPr>
@@ -4218,7 +4218,7 @@
           <p:cNvPr id="7" name="Text Box 2">
             <a:extLst>
               <a:ext uri="{FF2B5EF4-FFF2-40B4-BE49-F238E27FC236}">
-                <a16:creationId xmlns:a16="http://schemas.microsoft.com/office/drawing/2014/main" xmlns="" id="{C65D52AC-509E-4E19-BBE3-215D68A33884}"/>
+                <a16:creationId xmlns="" xmlns:a16="http://schemas.microsoft.com/office/drawing/2014/main" id="{C65D52AC-509E-4E19-BBE3-215D68A33884}"/>
               </a:ext>
             </a:extLst>
           </p:cNvPr>
@@ -4241,14 +4241,14 @@
           </a:ln>
           <a:extLst>
             <a:ext uri="{909E8E84-426E-40DD-AFC4-6F175D3DCCD1}">
-              <a14:hiddenFill xmlns:a14="http://schemas.microsoft.com/office/drawing/2010/main" xmlns="">
+              <a14:hiddenFill xmlns="" xmlns:a14="http://schemas.microsoft.com/office/drawing/2010/main">
                 <a:solidFill>
                   <a:srgbClr val="FFFFFF"/>
                 </a:solidFill>
               </a14:hiddenFill>
             </a:ext>
             <a:ext uri="{91240B29-F687-4F45-9708-019B960494DF}">
-              <a14:hiddenLine xmlns:a14="http://schemas.microsoft.com/office/drawing/2010/main" xmlns="" w="19050">
+              <a14:hiddenLine xmlns="" xmlns:a14="http://schemas.microsoft.com/office/drawing/2010/main" w="19050">
                 <a:solidFill>
                   <a:srgbClr val="000000"/>
                 </a:solidFill>
@@ -4563,7 +4563,7 @@
           <p:cNvPr id="8" name="Rectangle 4">
             <a:extLst>
               <a:ext uri="{FF2B5EF4-FFF2-40B4-BE49-F238E27FC236}">
-                <a16:creationId xmlns:a16="http://schemas.microsoft.com/office/drawing/2014/main" xmlns="" id="{6CDEF08D-0686-49F8-BAAA-C87848D6F272}"/>
+                <a16:creationId xmlns="" xmlns:a16="http://schemas.microsoft.com/office/drawing/2014/main" id="{6CDEF08D-0686-49F8-BAAA-C87848D6F272}"/>
               </a:ext>
             </a:extLst>
           </p:cNvPr>
@@ -4590,7 +4590,7 @@
           </a:ln>
           <a:extLst>
             <a:ext uri="{91240B29-F687-4F45-9708-019B960494DF}">
-              <a14:hiddenLine xmlns:a14="http://schemas.microsoft.com/office/drawing/2010/main" xmlns="" w="19050">
+              <a14:hiddenLine xmlns="" xmlns:a14="http://schemas.microsoft.com/office/drawing/2010/main" w="19050">
                 <a:solidFill>
                   <a:srgbClr val="000000"/>
                 </a:solidFill>
@@ -4747,7 +4747,7 @@
     </p:spTree>
     <p:extLst>
       <p:ext uri="{BB962C8B-B14F-4D97-AF65-F5344CB8AC3E}">
-        <p14:creationId xmlns:p14="http://schemas.microsoft.com/office/powerpoint/2010/main" xmlns="" val="2222666788"/>
+        <p14:creationId xmlns="" xmlns:p14="http://schemas.microsoft.com/office/powerpoint/2010/main" val="2222666788"/>
       </p:ext>
     </p:extLst>
   </p:cSld>
@@ -4850,7 +4850,7 @@
           <p:cNvPr id="4" name="Content Placeholder 3">
             <a:extLst>
               <a:ext uri="{FF2B5EF4-FFF2-40B4-BE49-F238E27FC236}">
-                <a16:creationId xmlns:a16="http://schemas.microsoft.com/office/drawing/2014/main" xmlns="" id="{6D58AF24-6D41-4D72-AA4C-29F6B807A3E2}"/>
+                <a16:creationId xmlns="" xmlns:a16="http://schemas.microsoft.com/office/drawing/2014/main" id="{6D58AF24-6D41-4D72-AA4C-29F6B807A3E2}"/>
               </a:ext>
             </a:extLst>
           </p:cNvPr>
@@ -6365,7 +6365,7 @@
     </p:spTree>
     <p:extLst>
       <p:ext uri="{BB962C8B-B14F-4D97-AF65-F5344CB8AC3E}">
-        <p14:creationId xmlns:p14="http://schemas.microsoft.com/office/powerpoint/2010/main" xmlns="" val="703454163"/>
+        <p14:creationId xmlns="" xmlns:p14="http://schemas.microsoft.com/office/powerpoint/2010/main" val="703454163"/>
       </p:ext>
     </p:extLst>
   </p:cSld>
@@ -6468,7 +6468,7 @@
           <p:cNvPr id="4" name="Content Placeholder 3">
             <a:extLst>
               <a:ext uri="{FF2B5EF4-FFF2-40B4-BE49-F238E27FC236}">
-                <a16:creationId xmlns:a16="http://schemas.microsoft.com/office/drawing/2014/main" xmlns="" id="{6D58AF24-6D41-4D72-AA4C-29F6B807A3E2}"/>
+                <a16:creationId xmlns="" xmlns:a16="http://schemas.microsoft.com/office/drawing/2014/main" id="{6D58AF24-6D41-4D72-AA4C-29F6B807A3E2}"/>
               </a:ext>
             </a:extLst>
           </p:cNvPr>
@@ -7983,7 +7983,7 @@
     </p:spTree>
     <p:extLst>
       <p:ext uri="{BB962C8B-B14F-4D97-AF65-F5344CB8AC3E}">
-        <p14:creationId xmlns:p14="http://schemas.microsoft.com/office/powerpoint/2010/main" xmlns="" val="3642369649"/>
+        <p14:creationId xmlns="" xmlns:p14="http://schemas.microsoft.com/office/powerpoint/2010/main" val="3642369649"/>
       </p:ext>
     </p:extLst>
   </p:cSld>
@@ -8087,7 +8087,7 @@
           <p:cNvPr id="4" name="Content Placeholder 3">
             <a:extLst>
               <a:ext uri="{FF2B5EF4-FFF2-40B4-BE49-F238E27FC236}">
-                <a16:creationId xmlns:a16="http://schemas.microsoft.com/office/drawing/2014/main" xmlns="" id="{6D58AF24-6D41-4D72-AA4C-29F6B807A3E2}"/>
+                <a16:creationId xmlns="" xmlns:a16="http://schemas.microsoft.com/office/drawing/2014/main" id="{6D58AF24-6D41-4D72-AA4C-29F6B807A3E2}"/>
               </a:ext>
             </a:extLst>
           </p:cNvPr>
@@ -8168,7 +8168,7 @@
     </p:spTree>
     <p:extLst>
       <p:ext uri="{BB962C8B-B14F-4D97-AF65-F5344CB8AC3E}">
-        <p14:creationId xmlns:p14="http://schemas.microsoft.com/office/powerpoint/2010/main" xmlns="" val="1752993671"/>
+        <p14:creationId xmlns="" xmlns:p14="http://schemas.microsoft.com/office/powerpoint/2010/main" val="1752993671"/>
       </p:ext>
     </p:extLst>
   </p:cSld>
@@ -8467,7 +8467,7 @@
   <a:extraClrSchemeLst/>
   <a:extLst>
     <a:ext uri="{05A4C25C-085E-4340-85A3-A5531E510DB2}">
-      <thm15:themeFamily xmlns:thm15="http://schemas.microsoft.com/office/thememl/2012/main" xmlns="" name="eye_tracker_presentation" id="{00ED1D97-A04B-46A0-BB71-88655A6B057F}" vid="{F36189FA-3966-4852-951E-5734674D1C7B}"/>
+      <thm15:themeFamily xmlns="" xmlns:thm15="http://schemas.microsoft.com/office/thememl/2012/main" name="eye_tracker_presentation" id="{00ED1D97-A04B-46A0-BB71-88655A6B057F}" vid="{F36189FA-3966-4852-951E-5734674D1C7B}"/>
     </a:ext>
   </a:extLst>
 </a:theme>
@@ -8762,7 +8762,7 @@
   <a:extraClrSchemeLst/>
   <a:extLst>
     <a:ext uri="{05A4C25C-085E-4340-85A3-A5531E510DB2}">
-      <thm15:themeFamily xmlns:thm15="http://schemas.microsoft.com/office/thememl/2012/main" xmlns="" name="Office Theme" id="{62F939B6-93AF-4DB8-9C6B-D6C7DFDC589F}" vid="{4A3C46E8-61CC-4603-A589-7422A47A8E4A}"/>
+      <thm15:themeFamily xmlns="" xmlns:thm15="http://schemas.microsoft.com/office/thememl/2012/main" name="Office Theme" id="{62F939B6-93AF-4DB8-9C6B-D6C7DFDC589F}" vid="{4A3C46E8-61CC-4603-A589-7422A47A8E4A}"/>
     </a:ext>
   </a:extLst>
 </a:theme>

--- a/bishops/cs321/resources/CS321_Lecture_17B.pptx
+++ b/bishops/cs321/resources/CS321_Lecture_17B.pptx
@@ -115,7 +115,7 @@
   </p:defaultTextStyle>
   <p:extLst>
     <p:ext uri="{EFAFB233-063F-42B5-8137-9DF3F51BA10A}">
-      <p15:sldGuideLst xmlns="" xmlns:p15="http://schemas.microsoft.com/office/powerpoint/2012/main"/>
+      <p15:sldGuideLst xmlns:p15="http://schemas.microsoft.com/office/powerpoint/2012/main" xmlns=""/>
     </p:ext>
   </p:extLst>
 </p:presentation>
@@ -126,7 +126,7 @@
   <p:cmAuthor id="1" name="Gregory" initials="G" lastIdx="1" clrIdx="0">
     <p:extLst>
       <p:ext uri="{19B8F6BF-5375-455C-9EA6-DF929625EA0E}">
-        <p15:presenceInfo xmlns="" xmlns:p15="http://schemas.microsoft.com/office/powerpoint/2012/main" userId="Gregory" providerId="None"/>
+        <p15:presenceInfo xmlns:p15="http://schemas.microsoft.com/office/powerpoint/2012/main" xmlns="" userId="Gregory" providerId="None"/>
       </p:ext>
     </p:extLst>
   </p:cmAuthor>
@@ -216,7 +216,7 @@
             <a:fld id="{A6583E9D-07AB-4C6D-BFD0-47E805C6B3D4}" type="datetimeFigureOut">
               <a:rPr lang="en-CA" smtClean="0"/>
               <a:pPr/>
-              <a:t>2024-03-24</a:t>
+              <a:t>2024-03-08</a:t>
             </a:fld>
             <a:endParaRPr lang="en-CA"/>
           </a:p>
@@ -385,7 +385,7 @@
     </p:spTree>
     <p:extLst>
       <p:ext uri="{BB962C8B-B14F-4D97-AF65-F5344CB8AC3E}">
-        <p14:creationId xmlns="" xmlns:p14="http://schemas.microsoft.com/office/powerpoint/2010/main" val="4237529172"/>
+        <p14:creationId xmlns:p14="http://schemas.microsoft.com/office/powerpoint/2010/main" xmlns="" val="4237529172"/>
       </p:ext>
     </p:extLst>
   </p:cSld>
@@ -560,7 +560,7 @@
     </p:spTree>
     <p:extLst>
       <p:ext uri="{BB962C8B-B14F-4D97-AF65-F5344CB8AC3E}">
-        <p14:creationId xmlns="" xmlns:p14="http://schemas.microsoft.com/office/powerpoint/2010/main" val="2340334442"/>
+        <p14:creationId xmlns:p14="http://schemas.microsoft.com/office/powerpoint/2010/main" xmlns="" val="2340334442"/>
       </p:ext>
     </p:extLst>
   </p:cSld>
@@ -764,7 +764,7 @@
     </p:spTree>
     <p:extLst>
       <p:ext uri="{BB962C8B-B14F-4D97-AF65-F5344CB8AC3E}">
-        <p14:creationId xmlns="" xmlns:p14="http://schemas.microsoft.com/office/powerpoint/2010/main" val="1900560834"/>
+        <p14:creationId xmlns:p14="http://schemas.microsoft.com/office/powerpoint/2010/main" xmlns="" val="1900560834"/>
       </p:ext>
     </p:extLst>
   </p:cSld>
@@ -938,7 +938,7 @@
     </p:spTree>
     <p:extLst>
       <p:ext uri="{BB962C8B-B14F-4D97-AF65-F5344CB8AC3E}">
-        <p14:creationId xmlns="" xmlns:p14="http://schemas.microsoft.com/office/powerpoint/2010/main" val="3722958745"/>
+        <p14:creationId xmlns:p14="http://schemas.microsoft.com/office/powerpoint/2010/main" xmlns="" val="3722958745"/>
       </p:ext>
     </p:extLst>
   </p:cSld>
@@ -1174,7 +1174,7 @@
     </p:spTree>
     <p:extLst>
       <p:ext uri="{BB962C8B-B14F-4D97-AF65-F5344CB8AC3E}">
-        <p14:creationId xmlns="" xmlns:p14="http://schemas.microsoft.com/office/powerpoint/2010/main" val="1822376042"/>
+        <p14:creationId xmlns:p14="http://schemas.microsoft.com/office/powerpoint/2010/main" xmlns="" val="1822376042"/>
       </p:ext>
     </p:extLst>
   </p:cSld>
@@ -1424,7 +1424,7 @@
     </p:spTree>
     <p:extLst>
       <p:ext uri="{BB962C8B-B14F-4D97-AF65-F5344CB8AC3E}">
-        <p14:creationId xmlns="" xmlns:p14="http://schemas.microsoft.com/office/powerpoint/2010/main" val="3411672561"/>
+        <p14:creationId xmlns:p14="http://schemas.microsoft.com/office/powerpoint/2010/main" xmlns="" val="3411672561"/>
       </p:ext>
     </p:extLst>
   </p:cSld>
@@ -1660,7 +1660,7 @@
     </p:spTree>
     <p:extLst>
       <p:ext uri="{BB962C8B-B14F-4D97-AF65-F5344CB8AC3E}">
-        <p14:creationId xmlns="" xmlns:p14="http://schemas.microsoft.com/office/powerpoint/2010/main" val="1093008526"/>
+        <p14:creationId xmlns:p14="http://schemas.microsoft.com/office/powerpoint/2010/main" xmlns="" val="1093008526"/>
       </p:ext>
     </p:extLst>
   </p:cSld>
@@ -2031,7 +2031,7 @@
     </p:spTree>
     <p:extLst>
       <p:ext uri="{BB962C8B-B14F-4D97-AF65-F5344CB8AC3E}">
-        <p14:creationId xmlns="" xmlns:p14="http://schemas.microsoft.com/office/powerpoint/2010/main" val="1087924878"/>
+        <p14:creationId xmlns:p14="http://schemas.microsoft.com/office/powerpoint/2010/main" xmlns="" val="1087924878"/>
       </p:ext>
     </p:extLst>
   </p:cSld>
@@ -2153,7 +2153,7 @@
     </p:spTree>
     <p:extLst>
       <p:ext uri="{BB962C8B-B14F-4D97-AF65-F5344CB8AC3E}">
-        <p14:creationId xmlns="" xmlns:p14="http://schemas.microsoft.com/office/powerpoint/2010/main" val="3802387408"/>
+        <p14:creationId xmlns:p14="http://schemas.microsoft.com/office/powerpoint/2010/main" xmlns="" val="3802387408"/>
       </p:ext>
     </p:extLst>
   </p:cSld>
@@ -2252,7 +2252,7 @@
     </p:spTree>
     <p:extLst>
       <p:ext uri="{BB962C8B-B14F-4D97-AF65-F5344CB8AC3E}">
-        <p14:creationId xmlns="" xmlns:p14="http://schemas.microsoft.com/office/powerpoint/2010/main" val="4234091411"/>
+        <p14:creationId xmlns:p14="http://schemas.microsoft.com/office/powerpoint/2010/main" xmlns="" val="4234091411"/>
       </p:ext>
     </p:extLst>
   </p:cSld>
@@ -2533,7 +2533,7 @@
     </p:spTree>
     <p:extLst>
       <p:ext uri="{BB962C8B-B14F-4D97-AF65-F5344CB8AC3E}">
-        <p14:creationId xmlns="" xmlns:p14="http://schemas.microsoft.com/office/powerpoint/2010/main" val="4189422420"/>
+        <p14:creationId xmlns:p14="http://schemas.microsoft.com/office/powerpoint/2010/main" xmlns="" val="4189422420"/>
       </p:ext>
     </p:extLst>
   </p:cSld>
@@ -2790,7 +2790,7 @@
     </p:spTree>
     <p:extLst>
       <p:ext uri="{BB962C8B-B14F-4D97-AF65-F5344CB8AC3E}">
-        <p14:creationId xmlns="" xmlns:p14="http://schemas.microsoft.com/office/powerpoint/2010/main" val="3252977898"/>
+        <p14:creationId xmlns:p14="http://schemas.microsoft.com/office/powerpoint/2010/main" xmlns="" val="3252977898"/>
       </p:ext>
     </p:extLst>
   </p:cSld>
@@ -3059,7 +3059,7 @@
           <a:blip r:embed="rId13" cstate="print">
             <a:extLst>
               <a:ext uri="{28A0092B-C50C-407E-A947-70E740481C1C}">
-                <a14:useLocalDpi xmlns="" xmlns:a14="http://schemas.microsoft.com/office/drawing/2010/main" val="0"/>
+                <a14:useLocalDpi xmlns:a14="http://schemas.microsoft.com/office/drawing/2010/main" xmlns="" val="0"/>
               </a:ext>
             </a:extLst>
           </a:blip>
@@ -3080,7 +3080,7 @@
     </p:spTree>
     <p:extLst>
       <p:ext uri="{BB962C8B-B14F-4D97-AF65-F5344CB8AC3E}">
-        <p14:creationId xmlns="" xmlns:p14="http://schemas.microsoft.com/office/powerpoint/2010/main" val="4230061028"/>
+        <p14:creationId xmlns:p14="http://schemas.microsoft.com/office/powerpoint/2010/main" xmlns="" val="4230061028"/>
       </p:ext>
     </p:extLst>
   </p:cSld>
@@ -3523,7 +3523,7 @@
           <p:cNvPr id="13" name="Picture 8" descr="http://osiris.ubishops.ca/~alussier/images/transparentlogo_bu.png">
             <a:extLst>
               <a:ext uri="{FF2B5EF4-FFF2-40B4-BE49-F238E27FC236}">
-                <a16:creationId xmlns="" xmlns:a16="http://schemas.microsoft.com/office/drawing/2014/main" id="{CCB9A035-2F1C-4B96-A5DB-70B72D6E4AD8}"/>
+                <a16:creationId xmlns:a16="http://schemas.microsoft.com/office/drawing/2014/main" xmlns="" id="{CCB9A035-2F1C-4B96-A5DB-70B72D6E4AD8}"/>
               </a:ext>
             </a:extLst>
           </p:cNvPr>
@@ -3536,7 +3536,7 @@
           <a:blip r:embed="rId3" cstate="print">
             <a:extLst>
               <a:ext uri="{28A0092B-C50C-407E-A947-70E740481C1C}">
-                <a14:useLocalDpi xmlns="" xmlns:a14="http://schemas.microsoft.com/office/drawing/2010/main" val="0"/>
+                <a14:useLocalDpi xmlns:a14="http://schemas.microsoft.com/office/drawing/2010/main" xmlns="" val="0"/>
               </a:ext>
             </a:extLst>
           </a:blip>
@@ -3556,7 +3556,7 @@
           <a:noFill/>
           <a:extLst>
             <a:ext uri="{909E8E84-426E-40DD-AFC4-6F175D3DCCD1}">
-              <a14:hiddenFill xmlns="" xmlns:a14="http://schemas.microsoft.com/office/drawing/2010/main">
+              <a14:hiddenFill xmlns:a14="http://schemas.microsoft.com/office/drawing/2010/main" xmlns="">
                 <a:solidFill>
                   <a:srgbClr val="FFFFFF"/>
                 </a:solidFill>
@@ -3568,7 +3568,7 @@
     </p:spTree>
     <p:extLst>
       <p:ext uri="{BB962C8B-B14F-4D97-AF65-F5344CB8AC3E}">
-        <p14:creationId xmlns="" xmlns:p14="http://schemas.microsoft.com/office/powerpoint/2010/main" val="4177077622"/>
+        <p14:creationId xmlns:p14="http://schemas.microsoft.com/office/powerpoint/2010/main" xmlns="" val="4177077622"/>
       </p:ext>
     </p:extLst>
   </p:cSld>
@@ -3672,7 +3672,7 @@
           <p:cNvPr id="4" name="Content Placeholder 3">
             <a:extLst>
               <a:ext uri="{FF2B5EF4-FFF2-40B4-BE49-F238E27FC236}">
-                <a16:creationId xmlns="" xmlns:a16="http://schemas.microsoft.com/office/drawing/2014/main" id="{6D58AF24-6D41-4D72-AA4C-29F6B807A3E2}"/>
+                <a16:creationId xmlns:a16="http://schemas.microsoft.com/office/drawing/2014/main" xmlns="" id="{6D58AF24-6D41-4D72-AA4C-29F6B807A3E2}"/>
               </a:ext>
             </a:extLst>
           </p:cNvPr>
@@ -3708,7 +3708,7 @@
           <p:cNvPr id="7" name="Picture 4" descr="Semaphtype.gif">
             <a:extLst>
               <a:ext uri="{FF2B5EF4-FFF2-40B4-BE49-F238E27FC236}">
-                <a16:creationId xmlns="" xmlns:a16="http://schemas.microsoft.com/office/drawing/2014/main" id="{807365D7-3A6C-4F12-BDA2-3D798F29D718}"/>
+                <a16:creationId xmlns:a16="http://schemas.microsoft.com/office/drawing/2014/main" xmlns="" id="{807365D7-3A6C-4F12-BDA2-3D798F29D718}"/>
               </a:ext>
             </a:extLst>
           </p:cNvPr>
@@ -3721,7 +3721,7 @@
           <a:blip r:embed="rId2">
             <a:extLst>
               <a:ext uri="{28A0092B-C50C-407E-A947-70E740481C1C}">
-                <a14:useLocalDpi xmlns="" xmlns:a14="http://schemas.microsoft.com/office/drawing/2010/main" val="0"/>
+                <a14:useLocalDpi xmlns:a14="http://schemas.microsoft.com/office/drawing/2010/main" xmlns="" val="0"/>
               </a:ext>
             </a:extLst>
           </a:blip>
@@ -3744,14 +3744,14 @@
           </a:ln>
           <a:extLst>
             <a:ext uri="{909E8E84-426E-40DD-AFC4-6F175D3DCCD1}">
-              <a14:hiddenFill xmlns="" xmlns:a14="http://schemas.microsoft.com/office/drawing/2010/main">
+              <a14:hiddenFill xmlns:a14="http://schemas.microsoft.com/office/drawing/2010/main" xmlns="">
                 <a:solidFill>
                   <a:srgbClr val="FFFFFF"/>
                 </a:solidFill>
               </a14:hiddenFill>
             </a:ext>
             <a:ext uri="{91240B29-F687-4F45-9708-019B960494DF}">
-              <a14:hiddenLine xmlns="" xmlns:a14="http://schemas.microsoft.com/office/drawing/2010/main" w="9525">
+              <a14:hiddenLine xmlns:a14="http://schemas.microsoft.com/office/drawing/2010/main" xmlns="" w="9525">
                 <a:solidFill>
                   <a:srgbClr val="000000"/>
                 </a:solidFill>
@@ -3768,7 +3768,7 @@
           <p:cNvPr id="9" name="TextBox 8">
             <a:extLst>
               <a:ext uri="{FF2B5EF4-FFF2-40B4-BE49-F238E27FC236}">
-                <a16:creationId xmlns="" xmlns:a16="http://schemas.microsoft.com/office/drawing/2014/main" id="{ACA50819-1CF8-49DF-9907-141818CA9FD7}"/>
+                <a16:creationId xmlns:a16="http://schemas.microsoft.com/office/drawing/2014/main" xmlns="" id="{ACA50819-1CF8-49DF-9907-141818CA9FD7}"/>
               </a:ext>
             </a:extLst>
           </p:cNvPr>
@@ -3802,7 +3802,7 @@
     </p:spTree>
     <p:extLst>
       <p:ext uri="{BB962C8B-B14F-4D97-AF65-F5344CB8AC3E}">
-        <p14:creationId xmlns="" xmlns:p14="http://schemas.microsoft.com/office/powerpoint/2010/main" val="1563300936"/>
+        <p14:creationId xmlns:p14="http://schemas.microsoft.com/office/powerpoint/2010/main" xmlns="" val="1563300936"/>
       </p:ext>
     </p:extLst>
   </p:cSld>
@@ -3906,7 +3906,7 @@
           <p:cNvPr id="4" name="Content Placeholder 3">
             <a:extLst>
               <a:ext uri="{FF2B5EF4-FFF2-40B4-BE49-F238E27FC236}">
-                <a16:creationId xmlns="" xmlns:a16="http://schemas.microsoft.com/office/drawing/2014/main" id="{6D58AF24-6D41-4D72-AA4C-29F6B807A3E2}"/>
+                <a16:creationId xmlns:a16="http://schemas.microsoft.com/office/drawing/2014/main" xmlns="" id="{6D58AF24-6D41-4D72-AA4C-29F6B807A3E2}"/>
               </a:ext>
             </a:extLst>
           </p:cNvPr>
@@ -4083,7 +4083,7 @@
     </p:spTree>
     <p:extLst>
       <p:ext uri="{BB962C8B-B14F-4D97-AF65-F5344CB8AC3E}">
-        <p14:creationId xmlns="" xmlns:p14="http://schemas.microsoft.com/office/powerpoint/2010/main" val="2097782105"/>
+        <p14:creationId xmlns:p14="http://schemas.microsoft.com/office/powerpoint/2010/main" xmlns="" val="2097782105"/>
       </p:ext>
     </p:extLst>
   </p:cSld>
@@ -4187,7 +4187,7 @@
           <p:cNvPr id="4" name="Content Placeholder 3">
             <a:extLst>
               <a:ext uri="{FF2B5EF4-FFF2-40B4-BE49-F238E27FC236}">
-                <a16:creationId xmlns="" xmlns:a16="http://schemas.microsoft.com/office/drawing/2014/main" id="{6D58AF24-6D41-4D72-AA4C-29F6B807A3E2}"/>
+                <a16:creationId xmlns:a16="http://schemas.microsoft.com/office/drawing/2014/main" xmlns="" id="{6D58AF24-6D41-4D72-AA4C-29F6B807A3E2}"/>
               </a:ext>
             </a:extLst>
           </p:cNvPr>
@@ -4218,7 +4218,7 @@
           <p:cNvPr id="7" name="Text Box 2">
             <a:extLst>
               <a:ext uri="{FF2B5EF4-FFF2-40B4-BE49-F238E27FC236}">
-                <a16:creationId xmlns="" xmlns:a16="http://schemas.microsoft.com/office/drawing/2014/main" id="{C65D52AC-509E-4E19-BBE3-215D68A33884}"/>
+                <a16:creationId xmlns:a16="http://schemas.microsoft.com/office/drawing/2014/main" xmlns="" id="{C65D52AC-509E-4E19-BBE3-215D68A33884}"/>
               </a:ext>
             </a:extLst>
           </p:cNvPr>
@@ -4241,14 +4241,14 @@
           </a:ln>
           <a:extLst>
             <a:ext uri="{909E8E84-426E-40DD-AFC4-6F175D3DCCD1}">
-              <a14:hiddenFill xmlns="" xmlns:a14="http://schemas.microsoft.com/office/drawing/2010/main">
+              <a14:hiddenFill xmlns:a14="http://schemas.microsoft.com/office/drawing/2010/main" xmlns="">
                 <a:solidFill>
                   <a:srgbClr val="FFFFFF"/>
                 </a:solidFill>
               </a14:hiddenFill>
             </a:ext>
             <a:ext uri="{91240B29-F687-4F45-9708-019B960494DF}">
-              <a14:hiddenLine xmlns="" xmlns:a14="http://schemas.microsoft.com/office/drawing/2010/main" w="19050">
+              <a14:hiddenLine xmlns:a14="http://schemas.microsoft.com/office/drawing/2010/main" xmlns="" w="19050">
                 <a:solidFill>
                   <a:srgbClr val="000000"/>
                 </a:solidFill>
@@ -4563,7 +4563,7 @@
           <p:cNvPr id="8" name="Rectangle 4">
             <a:extLst>
               <a:ext uri="{FF2B5EF4-FFF2-40B4-BE49-F238E27FC236}">
-                <a16:creationId xmlns="" xmlns:a16="http://schemas.microsoft.com/office/drawing/2014/main" id="{6CDEF08D-0686-49F8-BAAA-C87848D6F272}"/>
+                <a16:creationId xmlns:a16="http://schemas.microsoft.com/office/drawing/2014/main" xmlns="" id="{6CDEF08D-0686-49F8-BAAA-C87848D6F272}"/>
               </a:ext>
             </a:extLst>
           </p:cNvPr>
@@ -4590,7 +4590,7 @@
           </a:ln>
           <a:extLst>
             <a:ext uri="{91240B29-F687-4F45-9708-019B960494DF}">
-              <a14:hiddenLine xmlns="" xmlns:a14="http://schemas.microsoft.com/office/drawing/2010/main" w="19050">
+              <a14:hiddenLine xmlns:a14="http://schemas.microsoft.com/office/drawing/2010/main" xmlns="" w="19050">
                 <a:solidFill>
                   <a:srgbClr val="000000"/>
                 </a:solidFill>
@@ -4747,7 +4747,7 @@
     </p:spTree>
     <p:extLst>
       <p:ext uri="{BB962C8B-B14F-4D97-AF65-F5344CB8AC3E}">
-        <p14:creationId xmlns="" xmlns:p14="http://schemas.microsoft.com/office/powerpoint/2010/main" val="2222666788"/>
+        <p14:creationId xmlns:p14="http://schemas.microsoft.com/office/powerpoint/2010/main" xmlns="" val="2222666788"/>
       </p:ext>
     </p:extLst>
   </p:cSld>
@@ -4850,7 +4850,7 @@
           <p:cNvPr id="4" name="Content Placeholder 3">
             <a:extLst>
               <a:ext uri="{FF2B5EF4-FFF2-40B4-BE49-F238E27FC236}">
-                <a16:creationId xmlns="" xmlns:a16="http://schemas.microsoft.com/office/drawing/2014/main" id="{6D58AF24-6D41-4D72-AA4C-29F6B807A3E2}"/>
+                <a16:creationId xmlns:a16="http://schemas.microsoft.com/office/drawing/2014/main" xmlns="" id="{6D58AF24-6D41-4D72-AA4C-29F6B807A3E2}"/>
               </a:ext>
             </a:extLst>
           </p:cNvPr>
@@ -6365,7 +6365,7 @@
     </p:spTree>
     <p:extLst>
       <p:ext uri="{BB962C8B-B14F-4D97-AF65-F5344CB8AC3E}">
-        <p14:creationId xmlns="" xmlns:p14="http://schemas.microsoft.com/office/powerpoint/2010/main" val="703454163"/>
+        <p14:creationId xmlns:p14="http://schemas.microsoft.com/office/powerpoint/2010/main" xmlns="" val="703454163"/>
       </p:ext>
     </p:extLst>
   </p:cSld>
@@ -6468,7 +6468,7 @@
           <p:cNvPr id="4" name="Content Placeholder 3">
             <a:extLst>
               <a:ext uri="{FF2B5EF4-FFF2-40B4-BE49-F238E27FC236}">
-                <a16:creationId xmlns="" xmlns:a16="http://schemas.microsoft.com/office/drawing/2014/main" id="{6D58AF24-6D41-4D72-AA4C-29F6B807A3E2}"/>
+                <a16:creationId xmlns:a16="http://schemas.microsoft.com/office/drawing/2014/main" xmlns="" id="{6D58AF24-6D41-4D72-AA4C-29F6B807A3E2}"/>
               </a:ext>
             </a:extLst>
           </p:cNvPr>
@@ -7983,7 +7983,7 @@
     </p:spTree>
     <p:extLst>
       <p:ext uri="{BB962C8B-B14F-4D97-AF65-F5344CB8AC3E}">
-        <p14:creationId xmlns="" xmlns:p14="http://schemas.microsoft.com/office/powerpoint/2010/main" val="3642369649"/>
+        <p14:creationId xmlns:p14="http://schemas.microsoft.com/office/powerpoint/2010/main" xmlns="" val="3642369649"/>
       </p:ext>
     </p:extLst>
   </p:cSld>
@@ -8087,7 +8087,7 @@
           <p:cNvPr id="4" name="Content Placeholder 3">
             <a:extLst>
               <a:ext uri="{FF2B5EF4-FFF2-40B4-BE49-F238E27FC236}">
-                <a16:creationId xmlns="" xmlns:a16="http://schemas.microsoft.com/office/drawing/2014/main" id="{6D58AF24-6D41-4D72-AA4C-29F6B807A3E2}"/>
+                <a16:creationId xmlns:a16="http://schemas.microsoft.com/office/drawing/2014/main" xmlns="" id="{6D58AF24-6D41-4D72-AA4C-29F6B807A3E2}"/>
               </a:ext>
             </a:extLst>
           </p:cNvPr>
@@ -8168,7 +8168,7 @@
     </p:spTree>
     <p:extLst>
       <p:ext uri="{BB962C8B-B14F-4D97-AF65-F5344CB8AC3E}">
-        <p14:creationId xmlns="" xmlns:p14="http://schemas.microsoft.com/office/powerpoint/2010/main" val="1752993671"/>
+        <p14:creationId xmlns:p14="http://schemas.microsoft.com/office/powerpoint/2010/main" xmlns="" val="1752993671"/>
       </p:ext>
     </p:extLst>
   </p:cSld>
@@ -8467,7 +8467,7 @@
   <a:extraClrSchemeLst/>
   <a:extLst>
     <a:ext uri="{05A4C25C-085E-4340-85A3-A5531E510DB2}">
-      <thm15:themeFamily xmlns="" xmlns:thm15="http://schemas.microsoft.com/office/thememl/2012/main" name="eye_tracker_presentation" id="{00ED1D97-A04B-46A0-BB71-88655A6B057F}" vid="{F36189FA-3966-4852-951E-5734674D1C7B}"/>
+      <thm15:themeFamily xmlns:thm15="http://schemas.microsoft.com/office/thememl/2012/main" xmlns="" name="eye_tracker_presentation" id="{00ED1D97-A04B-46A0-BB71-88655A6B057F}" vid="{F36189FA-3966-4852-951E-5734674D1C7B}"/>
     </a:ext>
   </a:extLst>
 </a:theme>
@@ -8762,7 +8762,7 @@
   <a:extraClrSchemeLst/>
   <a:extLst>
     <a:ext uri="{05A4C25C-085E-4340-85A3-A5531E510DB2}">
-      <thm15:themeFamily xmlns="" xmlns:thm15="http://schemas.microsoft.com/office/thememl/2012/main" name="Office Theme" id="{62F939B6-93AF-4DB8-9C6B-D6C7DFDC589F}" vid="{4A3C46E8-61CC-4603-A589-7422A47A8E4A}"/>
+      <thm15:themeFamily xmlns:thm15="http://schemas.microsoft.com/office/thememl/2012/main" xmlns="" name="Office Theme" id="{62F939B6-93AF-4DB8-9C6B-D6C7DFDC589F}" vid="{4A3C46E8-61CC-4603-A589-7422A47A8E4A}"/>
     </a:ext>
   </a:extLst>
 </a:theme>
